--- a/AB/Apresentacao/APRESENTACAO_AB.pptx
+++ b/AB/Apresentacao/APRESENTACAO_AB.pptx
@@ -11,8 +11,8 @@
   <p:sldIdLst>
     <p:sldId id="256" r:id="rId3"/>
     <p:sldId id="310" r:id="rId4"/>
-    <p:sldId id="287" r:id="rId5"/>
-    <p:sldId id="312" r:id="rId6"/>
+    <p:sldId id="312" r:id="rId5"/>
+    <p:sldId id="287" r:id="rId6"/>
     <p:sldId id="295" r:id="rId7"/>
     <p:sldId id="308" r:id="rId8"/>
     <p:sldId id="309" r:id="rId9"/>
@@ -455,7 +455,7 @@
           <a:p>
             <a:fld id="{7A8AB67A-1EC8-49FE-8590-E6659B1348B3}" type="datetimeFigureOut">
               <a:rPr lang="pt-PT" smtClean="0"/>
-              <a:t>17/03/2024</a:t>
+              <a:t>23/03/2024</a:t>
             </a:fld>
             <a:endParaRPr lang="pt-PT" dirty="0"/>
           </a:p>
@@ -977,7 +977,7 @@
                 <a:tabLst/>
                 <a:defRPr/>
               </a:pPr>
-              <a:t>3</a:t>
+              <a:t>4</a:t>
             </a:fld>
             <a:endParaRPr kumimoji="0" lang="en-US" sz="1200" b="0" i="0" u="none" strike="noStrike" kern="1200" cap="none" spc="0" normalizeH="0" baseline="0" noProof="0" dirty="0">
               <a:ln>
@@ -1594,7 +1594,7 @@
           <a:p>
             <a:fld id="{92188506-BD2C-4325-AF91-290FDF8504A3}" type="datetime1">
               <a:rPr lang="en-US" smtClean="0"/>
-              <a:t>3/17/2024</a:t>
+              <a:t>3/23/2024</a:t>
             </a:fld>
             <a:endParaRPr lang="pt-PT" dirty="0"/>
           </a:p>
@@ -1792,7 +1792,7 @@
           <a:p>
             <a:fld id="{4902DE7A-70B2-485E-8478-1C5064EA33E3}" type="datetime1">
               <a:rPr lang="en-US" smtClean="0"/>
-              <a:t>3/17/2024</a:t>
+              <a:t>3/23/2024</a:t>
             </a:fld>
             <a:endParaRPr lang="pt-PT" dirty="0"/>
           </a:p>
@@ -2000,7 +2000,7 @@
           <a:p>
             <a:fld id="{946FA1BB-5F98-4C61-9402-6EE37C0F8B3D}" type="datetime1">
               <a:rPr lang="en-US" smtClean="0"/>
-              <a:t>3/17/2024</a:t>
+              <a:t>3/23/2024</a:t>
             </a:fld>
             <a:endParaRPr lang="pt-PT" dirty="0"/>
           </a:p>
@@ -2428,7 +2428,7 @@
             <a:pPr algn="r"/>
             <a:fld id="{2A6E4AFE-2410-4ABD-853B-A93575E402C8}" type="datetime1">
               <a:rPr lang="en-US" smtClean="0"/>
-              <a:t>3/17/2024</a:t>
+              <a:t>3/23/2024</a:t>
             </a:fld>
             <a:endParaRPr lang="en-US" sz="1000" dirty="0"/>
           </a:p>
@@ -3595,7 +3595,7 @@
           <a:p>
             <a:fld id="{7EA9AA58-84AA-45DC-9BB9-A82FE45F80E5}" type="datetime1">
               <a:rPr lang="en-US" smtClean="0"/>
-              <a:t>3/17/2024</a:t>
+              <a:t>3/23/2024</a:t>
             </a:fld>
             <a:endParaRPr lang="pt-PT" dirty="0"/>
           </a:p>
@@ -3870,7 +3870,7 @@
           <a:p>
             <a:fld id="{ABEDC208-4E46-430E-B883-0015E21FD30C}" type="datetime1">
               <a:rPr lang="en-US" smtClean="0"/>
-              <a:t>3/17/2024</a:t>
+              <a:t>3/23/2024</a:t>
             </a:fld>
             <a:endParaRPr lang="pt-PT" dirty="0"/>
           </a:p>
@@ -4135,7 +4135,7 @@
           <a:p>
             <a:fld id="{A5963E61-9225-4EF4-87DE-ACBFA86964D2}" type="datetime1">
               <a:rPr lang="en-US" smtClean="0"/>
-              <a:t>3/17/2024</a:t>
+              <a:t>3/23/2024</a:t>
             </a:fld>
             <a:endParaRPr lang="pt-PT" dirty="0"/>
           </a:p>
@@ -4547,7 +4547,7 @@
           <a:p>
             <a:fld id="{5E389D07-6428-4B32-8EB7-52B10795AFC2}" type="datetime1">
               <a:rPr lang="en-US" smtClean="0"/>
-              <a:t>3/17/2024</a:t>
+              <a:t>3/23/2024</a:t>
             </a:fld>
             <a:endParaRPr lang="pt-PT" dirty="0"/>
           </a:p>
@@ -4688,7 +4688,7 @@
           <a:p>
             <a:fld id="{EA1AD0CE-1DF2-41AB-8D43-F03BB5EC74EE}" type="datetime1">
               <a:rPr lang="en-US" smtClean="0"/>
-              <a:t>3/17/2024</a:t>
+              <a:t>3/23/2024</a:t>
             </a:fld>
             <a:endParaRPr lang="pt-PT" dirty="0"/>
           </a:p>
@@ -4801,7 +4801,7 @@
           <a:p>
             <a:fld id="{636E0930-A236-4199-B07A-9FE7D9C4956D}" type="datetime1">
               <a:rPr lang="en-US" smtClean="0"/>
-              <a:t>3/17/2024</a:t>
+              <a:t>3/23/2024</a:t>
             </a:fld>
             <a:endParaRPr lang="pt-PT" dirty="0"/>
           </a:p>
@@ -5112,7 +5112,7 @@
           <a:p>
             <a:fld id="{8C421111-2CA7-48C3-B701-E9A7D399FE77}" type="datetime1">
               <a:rPr lang="en-US" smtClean="0"/>
-              <a:t>3/17/2024</a:t>
+              <a:t>3/23/2024</a:t>
             </a:fld>
             <a:endParaRPr lang="pt-PT" dirty="0"/>
           </a:p>
@@ -5400,7 +5400,7 @@
           <a:p>
             <a:fld id="{F6791518-908B-4DE5-A883-233353CA5B16}" type="datetime1">
               <a:rPr lang="en-US" smtClean="0"/>
-              <a:t>3/17/2024</a:t>
+              <a:t>3/23/2024</a:t>
             </a:fld>
             <a:endParaRPr lang="pt-PT" dirty="0"/>
           </a:p>
@@ -5641,7 +5641,7 @@
           <a:p>
             <a:fld id="{C0F5B503-7F49-4663-BCC5-21AB298C92CA}" type="datetime1">
               <a:rPr lang="en-US" smtClean="0"/>
-              <a:t>3/17/2024</a:t>
+              <a:t>3/23/2024</a:t>
             </a:fld>
             <a:endParaRPr lang="pt-PT" dirty="0"/>
           </a:p>
@@ -6957,7 +6957,7 @@
                   </a:schemeClr>
                 </a:solidFill>
               </a:rPr>
-              <a:t>17/03/2024</a:t>
+              <a:t>23/03/2024</a:t>
             </a:fld>
             <a:endParaRPr lang="pt-PT" sz="2000" dirty="0">
               <a:solidFill>
@@ -7199,6 +7199,289 @@
       </p:grpSpPr>
       <p:sp>
         <p:nvSpPr>
+          <p:cNvPr id="2" name="Título 1">
+            <a:extLst>
+              <a:ext uri="{FF2B5EF4-FFF2-40B4-BE49-F238E27FC236}">
+                <a16:creationId xmlns:a16="http://schemas.microsoft.com/office/drawing/2014/main" id="{E8375ADE-64F6-FC67-1687-EA34A5AADC58}"/>
+              </a:ext>
+            </a:extLst>
+          </p:cNvPr>
+          <p:cNvSpPr>
+            <a:spLocks noGrp="1"/>
+          </p:cNvSpPr>
+          <p:nvPr>
+            <p:ph type="title"/>
+          </p:nvPr>
+        </p:nvSpPr>
+        <p:spPr>
+          <a:xfrm>
+            <a:off x="622300" y="381198"/>
+            <a:ext cx="6184899" cy="675926"/>
+          </a:xfrm>
+        </p:spPr>
+        <p:txBody>
+          <a:bodyPr vert="horz" lIns="0" rIns="0" anchor="ctr">
+            <a:normAutofit/>
+          </a:bodyPr>
+          <a:lstStyle/>
+          <a:p>
+            <a:pPr>
+              <a:lnSpc>
+                <a:spcPct val="90000"/>
+              </a:lnSpc>
+            </a:pPr>
+            <a:r>
+              <a:rPr lang="pt-PT" sz="3100" dirty="0"/>
+              <a:t>Problems</a:t>
+            </a:r>
+          </a:p>
+        </p:txBody>
+      </p:sp>
+      <p:sp>
+        <p:nvSpPr>
+          <p:cNvPr id="5" name="CaixaDeTexto 4">
+            <a:extLst>
+              <a:ext uri="{FF2B5EF4-FFF2-40B4-BE49-F238E27FC236}">
+                <a16:creationId xmlns:a16="http://schemas.microsoft.com/office/drawing/2014/main" id="{E1C2C161-9257-1937-ECB0-C2BBDBB3BA7C}"/>
+              </a:ext>
+            </a:extLst>
+          </p:cNvPr>
+          <p:cNvSpPr txBox="1"/>
+          <p:nvPr/>
+        </p:nvSpPr>
+        <p:spPr>
+          <a:xfrm>
+            <a:off x="609600" y="1722438"/>
+            <a:ext cx="5384800" cy="4525963"/>
+          </a:xfrm>
+          <a:prstGeom prst="rect">
+            <a:avLst/>
+          </a:prstGeom>
+        </p:spPr>
+        <p:txBody>
+          <a:bodyPr vert="horz" rtlCol="0" anchor="t">
+            <a:normAutofit/>
+          </a:bodyPr>
+          <a:lstStyle/>
+          <a:p>
+            <a:pPr>
+              <a:spcBef>
+                <a:spcPct val="20000"/>
+              </a:spcBef>
+              <a:spcAft>
+                <a:spcPts val="1000"/>
+              </a:spcAft>
+              <a:buClr>
+                <a:schemeClr val="accent1"/>
+              </a:buClr>
+              <a:buFont typeface="Arial" panose="020B0604020202020204" pitchFamily="34" charset="0"/>
+              <a:buChar char="•"/>
+            </a:pPr>
+            <a:endParaRPr lang="en-US" sz="2600" dirty="0">
+              <a:solidFill>
+                <a:schemeClr val="bg2"/>
+              </a:solidFill>
+            </a:endParaRPr>
+          </a:p>
+          <a:p>
+            <a:pPr marL="285750" indent="-285750" fontAlgn="base">
+              <a:spcBef>
+                <a:spcPct val="20000"/>
+              </a:spcBef>
+              <a:spcAft>
+                <a:spcPts val="1000"/>
+              </a:spcAft>
+              <a:buClr>
+                <a:schemeClr val="accent1"/>
+              </a:buClr>
+              <a:buFont typeface="Arial" panose="020B0604020202020204" pitchFamily="34" charset="0"/>
+              <a:buChar char="•"/>
+            </a:pPr>
+            <a:endParaRPr lang="en-US" sz="2600" b="0" i="0" dirty="0">
+              <a:solidFill>
+                <a:schemeClr val="bg2"/>
+              </a:solidFill>
+              <a:effectLst/>
+            </a:endParaRPr>
+          </a:p>
+          <a:p>
+            <a:pPr marL="285750" indent="-285750" fontAlgn="base">
+              <a:spcBef>
+                <a:spcPct val="20000"/>
+              </a:spcBef>
+              <a:spcAft>
+                <a:spcPts val="1000"/>
+              </a:spcAft>
+              <a:buClr>
+                <a:schemeClr val="accent1"/>
+              </a:buClr>
+              <a:buFont typeface="Arial" panose="020B0604020202020204" pitchFamily="34" charset="0"/>
+              <a:buChar char="•"/>
+            </a:pPr>
+            <a:endParaRPr lang="en-US" sz="2600" b="0" i="0" dirty="0">
+              <a:solidFill>
+                <a:schemeClr val="bg2"/>
+              </a:solidFill>
+              <a:effectLst/>
+            </a:endParaRPr>
+          </a:p>
+        </p:txBody>
+      </p:sp>
+      <p:sp>
+        <p:nvSpPr>
+          <p:cNvPr id="3" name="Marcador de Posição do Número do Diapositivo 2">
+            <a:extLst>
+              <a:ext uri="{FF2B5EF4-FFF2-40B4-BE49-F238E27FC236}">
+                <a16:creationId xmlns:a16="http://schemas.microsoft.com/office/drawing/2014/main" id="{85A4C4C1-F11C-1049-24CF-BE5459B1F8C1}"/>
+              </a:ext>
+            </a:extLst>
+          </p:cNvPr>
+          <p:cNvSpPr>
+            <a:spLocks noGrp="1"/>
+          </p:cNvSpPr>
+          <p:nvPr>
+            <p:ph type="sldNum" sz="quarter" idx="12"/>
+          </p:nvPr>
+        </p:nvSpPr>
+        <p:spPr>
+          <a:xfrm>
+            <a:off x="10906760" y="173195"/>
+            <a:ext cx="670560" cy="301752"/>
+          </a:xfrm>
+        </p:spPr>
+        <p:txBody>
+          <a:bodyPr vert="horz" anchor="b">
+            <a:normAutofit/>
+          </a:bodyPr>
+          <a:lstStyle/>
+          <a:p>
+            <a:pPr>
+              <a:spcAft>
+                <a:spcPts val="600"/>
+              </a:spcAft>
+            </a:pPr>
+            <a:fld id="{49598980-D22C-4904-9F8F-3DB09B2ECD84}" type="slidenum">
+              <a:rPr lang="en-US" smtClean="0"/>
+              <a:pPr>
+                <a:spcAft>
+                  <a:spcPts val="600"/>
+                </a:spcAft>
+              </a:pPr>
+              <a:t>3</a:t>
+            </a:fld>
+            <a:endParaRPr lang="en-US"/>
+          </a:p>
+        </p:txBody>
+      </p:sp>
+      <p:sp>
+        <p:nvSpPr>
+          <p:cNvPr id="6" name="CaixaDeTexto 5">
+            <a:extLst>
+              <a:ext uri="{FF2B5EF4-FFF2-40B4-BE49-F238E27FC236}">
+                <a16:creationId xmlns:a16="http://schemas.microsoft.com/office/drawing/2014/main" id="{08E606FE-D2B4-ACEE-53AA-D1BE6750DF08}"/>
+              </a:ext>
+            </a:extLst>
+          </p:cNvPr>
+          <p:cNvSpPr txBox="1"/>
+          <p:nvPr/>
+        </p:nvSpPr>
+        <p:spPr>
+          <a:xfrm>
+            <a:off x="609600" y="2489604"/>
+            <a:ext cx="9710056" cy="1323439"/>
+          </a:xfrm>
+          <a:prstGeom prst="rect">
+            <a:avLst/>
+          </a:prstGeom>
+          <a:noFill/>
+        </p:spPr>
+        <p:txBody>
+          <a:bodyPr wrap="square" rtlCol="0">
+            <a:spAutoFit/>
+          </a:bodyPr>
+          <a:lstStyle/>
+          <a:p>
+            <a:pPr marL="342900" indent="-342900" algn="just">
+              <a:spcAft>
+                <a:spcPts val="1200"/>
+              </a:spcAft>
+              <a:buFont typeface="Wingdings" panose="05000000000000000000" pitchFamily="2" charset="2"/>
+              <a:buChar char="v"/>
+            </a:pPr>
+            <a:r>
+              <a:rPr lang="en-US" sz="2000" dirty="0">
+                <a:solidFill>
+                  <a:schemeClr val="bg1"/>
+                </a:solidFill>
+                <a:latin typeface="Corbel" panose="020B0503020204020204" pitchFamily="34" charset="0"/>
+              </a:rPr>
+              <a:t>Study and discover different bioinformatics algorithms </a:t>
+            </a:r>
+          </a:p>
+          <a:p>
+            <a:pPr marL="342900" indent="-342900" algn="just">
+              <a:spcAft>
+                <a:spcPts val="1200"/>
+              </a:spcAft>
+              <a:buFont typeface="Wingdings" panose="05000000000000000000" pitchFamily="2" charset="2"/>
+              <a:buChar char="v"/>
+            </a:pPr>
+            <a:endParaRPr lang="en-US" sz="2000" dirty="0">
+              <a:solidFill>
+                <a:schemeClr val="bg1"/>
+              </a:solidFill>
+              <a:latin typeface="Corbel" panose="020B0503020204020204" pitchFamily="34" charset="0"/>
+            </a:endParaRPr>
+          </a:p>
+          <a:p>
+            <a:pPr marL="342900" indent="-342900" algn="just">
+              <a:spcAft>
+                <a:spcPts val="1200"/>
+              </a:spcAft>
+              <a:buFont typeface="Wingdings" panose="05000000000000000000" pitchFamily="2" charset="2"/>
+              <a:buChar char="v"/>
+            </a:pPr>
+            <a:endParaRPr lang="en-US" sz="2000" dirty="0">
+              <a:solidFill>
+                <a:schemeClr val="bg1"/>
+              </a:solidFill>
+              <a:latin typeface="Corbel" panose="020B0503020204020204" pitchFamily="34" charset="0"/>
+            </a:endParaRPr>
+          </a:p>
+        </p:txBody>
+      </p:sp>
+    </p:spTree>
+    <p:extLst>
+      <p:ext uri="{BB962C8B-B14F-4D97-AF65-F5344CB8AC3E}">
+        <p14:creationId xmlns:p14="http://schemas.microsoft.com/office/powerpoint/2010/main" val="2218774443"/>
+      </p:ext>
+    </p:extLst>
+  </p:cSld>
+  <p:clrMapOvr>
+    <a:masterClrMapping/>
+  </p:clrMapOvr>
+</p:sld>
+</file>
+
+<file path=ppt/slides/slide4.xml><?xml version="1.0" encoding="utf-8"?>
+<p:sld xmlns:a="http://schemas.openxmlformats.org/drawingml/2006/main" xmlns:r="http://schemas.openxmlformats.org/officeDocument/2006/relationships" xmlns:p="http://schemas.openxmlformats.org/presentationml/2006/main">
+  <p:cSld>
+    <p:spTree>
+      <p:nvGrpSpPr>
+        <p:cNvPr id="1" name=""/>
+        <p:cNvGrpSpPr/>
+        <p:nvPr/>
+      </p:nvGrpSpPr>
+      <p:grpSpPr>
+        <a:xfrm>
+          <a:off x="0" y="0"/>
+          <a:ext cx="0" cy="0"/>
+          <a:chOff x="0" y="0"/>
+          <a:chExt cx="0" cy="0"/>
+        </a:xfrm>
+      </p:grpSpPr>
+      <p:sp>
+        <p:nvSpPr>
           <p:cNvPr id="6" name="Slide Number Placeholder 5">
             <a:extLst>
               <a:ext uri="{FF2B5EF4-FFF2-40B4-BE49-F238E27FC236}">
@@ -7226,7 +7509,7 @@
                 <a:latin typeface="Arial"/>
               </a:rPr>
               <a:pPr/>
-              <a:t>3</a:t>
+              <a:t>4</a:t>
             </a:fld>
             <a:endParaRPr lang="en-US" dirty="0">
               <a:solidFill>
@@ -7478,212 +7761,6 @@
 </p:sld>
 </file>
 
-<file path=ppt/slides/slide4.xml><?xml version="1.0" encoding="utf-8"?>
-<p:sld xmlns:a="http://schemas.openxmlformats.org/drawingml/2006/main" xmlns:r="http://schemas.openxmlformats.org/officeDocument/2006/relationships" xmlns:p="http://schemas.openxmlformats.org/presentationml/2006/main">
-  <p:cSld>
-    <p:spTree>
-      <p:nvGrpSpPr>
-        <p:cNvPr id="1" name=""/>
-        <p:cNvGrpSpPr/>
-        <p:nvPr/>
-      </p:nvGrpSpPr>
-      <p:grpSpPr>
-        <a:xfrm>
-          <a:off x="0" y="0"/>
-          <a:ext cx="0" cy="0"/>
-          <a:chOff x="0" y="0"/>
-          <a:chExt cx="0" cy="0"/>
-        </a:xfrm>
-      </p:grpSpPr>
-      <p:sp>
-        <p:nvSpPr>
-          <p:cNvPr id="2" name="Título 1">
-            <a:extLst>
-              <a:ext uri="{FF2B5EF4-FFF2-40B4-BE49-F238E27FC236}">
-                <a16:creationId xmlns:a16="http://schemas.microsoft.com/office/drawing/2014/main" id="{E8375ADE-64F6-FC67-1687-EA34A5AADC58}"/>
-              </a:ext>
-            </a:extLst>
-          </p:cNvPr>
-          <p:cNvSpPr>
-            <a:spLocks noGrp="1"/>
-          </p:cNvSpPr>
-          <p:nvPr>
-            <p:ph type="title"/>
-          </p:nvPr>
-        </p:nvSpPr>
-        <p:spPr>
-          <a:xfrm>
-            <a:off x="622300" y="381198"/>
-            <a:ext cx="6184899" cy="675926"/>
-          </a:xfrm>
-        </p:spPr>
-        <p:txBody>
-          <a:bodyPr vert="horz" lIns="0" rIns="0" anchor="ctr">
-            <a:normAutofit/>
-          </a:bodyPr>
-          <a:lstStyle/>
-          <a:p>
-            <a:pPr>
-              <a:lnSpc>
-                <a:spcPct val="90000"/>
-              </a:lnSpc>
-            </a:pPr>
-            <a:r>
-              <a:rPr lang="pt-PT" sz="3100" dirty="0"/>
-              <a:t>Problems</a:t>
-            </a:r>
-          </a:p>
-        </p:txBody>
-      </p:sp>
-      <p:sp>
-        <p:nvSpPr>
-          <p:cNvPr id="5" name="CaixaDeTexto 4">
-            <a:extLst>
-              <a:ext uri="{FF2B5EF4-FFF2-40B4-BE49-F238E27FC236}">
-                <a16:creationId xmlns:a16="http://schemas.microsoft.com/office/drawing/2014/main" id="{E1C2C161-9257-1937-ECB0-C2BBDBB3BA7C}"/>
-              </a:ext>
-            </a:extLst>
-          </p:cNvPr>
-          <p:cNvSpPr txBox="1"/>
-          <p:nvPr/>
-        </p:nvSpPr>
-        <p:spPr>
-          <a:xfrm>
-            <a:off x="609600" y="1722438"/>
-            <a:ext cx="5384800" cy="4525963"/>
-          </a:xfrm>
-          <a:prstGeom prst="rect">
-            <a:avLst/>
-          </a:prstGeom>
-        </p:spPr>
-        <p:txBody>
-          <a:bodyPr vert="horz" rtlCol="0" anchor="t">
-            <a:normAutofit/>
-          </a:bodyPr>
-          <a:lstStyle/>
-          <a:p>
-            <a:pPr>
-              <a:spcBef>
-                <a:spcPct val="20000"/>
-              </a:spcBef>
-              <a:spcAft>
-                <a:spcPts val="1000"/>
-              </a:spcAft>
-              <a:buClr>
-                <a:schemeClr val="accent1"/>
-              </a:buClr>
-              <a:buFont typeface="Arial" panose="020B0604020202020204" pitchFamily="34" charset="0"/>
-              <a:buChar char="•"/>
-            </a:pPr>
-            <a:endParaRPr lang="en-US" sz="2600" dirty="0">
-              <a:solidFill>
-                <a:schemeClr val="bg2"/>
-              </a:solidFill>
-            </a:endParaRPr>
-          </a:p>
-          <a:p>
-            <a:pPr marL="285750" indent="-285750" fontAlgn="base">
-              <a:spcBef>
-                <a:spcPct val="20000"/>
-              </a:spcBef>
-              <a:spcAft>
-                <a:spcPts val="1000"/>
-              </a:spcAft>
-              <a:buClr>
-                <a:schemeClr val="accent1"/>
-              </a:buClr>
-              <a:buFont typeface="Arial" panose="020B0604020202020204" pitchFamily="34" charset="0"/>
-              <a:buChar char="•"/>
-            </a:pPr>
-            <a:endParaRPr lang="en-US" sz="2600" b="0" i="0" dirty="0">
-              <a:solidFill>
-                <a:schemeClr val="bg2"/>
-              </a:solidFill>
-              <a:effectLst/>
-            </a:endParaRPr>
-          </a:p>
-          <a:p>
-            <a:pPr marL="285750" indent="-285750" fontAlgn="base">
-              <a:spcBef>
-                <a:spcPct val="20000"/>
-              </a:spcBef>
-              <a:spcAft>
-                <a:spcPts val="1000"/>
-              </a:spcAft>
-              <a:buClr>
-                <a:schemeClr val="accent1"/>
-              </a:buClr>
-              <a:buFont typeface="Arial" panose="020B0604020202020204" pitchFamily="34" charset="0"/>
-              <a:buChar char="•"/>
-            </a:pPr>
-            <a:endParaRPr lang="en-US" sz="2600" b="0" i="0" dirty="0">
-              <a:solidFill>
-                <a:schemeClr val="bg2"/>
-              </a:solidFill>
-              <a:effectLst/>
-            </a:endParaRPr>
-          </a:p>
-        </p:txBody>
-      </p:sp>
-      <p:sp>
-        <p:nvSpPr>
-          <p:cNvPr id="3" name="Marcador de Posição do Número do Diapositivo 2">
-            <a:extLst>
-              <a:ext uri="{FF2B5EF4-FFF2-40B4-BE49-F238E27FC236}">
-                <a16:creationId xmlns:a16="http://schemas.microsoft.com/office/drawing/2014/main" id="{85A4C4C1-F11C-1049-24CF-BE5459B1F8C1}"/>
-              </a:ext>
-            </a:extLst>
-          </p:cNvPr>
-          <p:cNvSpPr>
-            <a:spLocks noGrp="1"/>
-          </p:cNvSpPr>
-          <p:nvPr>
-            <p:ph type="sldNum" sz="quarter" idx="12"/>
-          </p:nvPr>
-        </p:nvSpPr>
-        <p:spPr>
-          <a:xfrm>
-            <a:off x="10906760" y="173195"/>
-            <a:ext cx="670560" cy="301752"/>
-          </a:xfrm>
-        </p:spPr>
-        <p:txBody>
-          <a:bodyPr vert="horz" anchor="b">
-            <a:normAutofit/>
-          </a:bodyPr>
-          <a:lstStyle/>
-          <a:p>
-            <a:pPr>
-              <a:spcAft>
-                <a:spcPts val="600"/>
-              </a:spcAft>
-            </a:pPr>
-            <a:fld id="{49598980-D22C-4904-9F8F-3DB09B2ECD84}" type="slidenum">
-              <a:rPr lang="en-US" smtClean="0"/>
-              <a:pPr>
-                <a:spcAft>
-                  <a:spcPts val="600"/>
-                </a:spcAft>
-              </a:pPr>
-              <a:t>4</a:t>
-            </a:fld>
-            <a:endParaRPr lang="en-US"/>
-          </a:p>
-        </p:txBody>
-      </p:sp>
-    </p:spTree>
-    <p:extLst>
-      <p:ext uri="{BB962C8B-B14F-4D97-AF65-F5344CB8AC3E}">
-        <p14:creationId xmlns:p14="http://schemas.microsoft.com/office/powerpoint/2010/main" val="2218774443"/>
-      </p:ext>
-    </p:extLst>
-  </p:cSld>
-  <p:clrMapOvr>
-    <a:masterClrMapping/>
-  </p:clrMapOvr>
-</p:sld>
-</file>
-
 <file path=ppt/slides/slide5.xml><?xml version="1.0" encoding="utf-8"?>
 <p:sld xmlns:a="http://schemas.openxmlformats.org/drawingml/2006/main" xmlns:r="http://schemas.openxmlformats.org/officeDocument/2006/relationships" xmlns:p="http://schemas.openxmlformats.org/presentationml/2006/main">
   <p:cSld>
@@ -7920,7 +7997,7 @@
         </p:blipFill>
         <p:spPr>
           <a:xfrm>
-            <a:off x="7057456" y="4103669"/>
+            <a:off x="7404928" y="2801146"/>
             <a:ext cx="1400395" cy="1330375"/>
           </a:xfrm>
           <a:prstGeom prst="rect">
@@ -7942,7 +8019,7 @@
         </p:nvSpPr>
         <p:spPr>
           <a:xfrm>
-            <a:off x="8547030" y="4584190"/>
+            <a:off x="8894502" y="3281667"/>
             <a:ext cx="1108247" cy="369332"/>
           </a:xfrm>
           <a:prstGeom prst="rect">
@@ -7964,6 +8041,169 @@
                 <a:latin typeface="Corbel" panose="020B0503020204020204" pitchFamily="34" charset="0"/>
               </a:rPr>
               <a:t>Star UML</a:t>
+            </a:r>
+          </a:p>
+        </p:txBody>
+      </p:sp>
+      <p:pic>
+        <p:nvPicPr>
+          <p:cNvPr id="4" name="Imagem 3" descr="Uma imagem com Gráficos, design gráfico, Tipo de letra, logótipo&#10;&#10;Descrição gerada automaticamente">
+            <a:extLst>
+              <a:ext uri="{FF2B5EF4-FFF2-40B4-BE49-F238E27FC236}">
+                <a16:creationId xmlns:a16="http://schemas.microsoft.com/office/drawing/2014/main" id="{F0366F24-DFE3-2D45-3BA2-F5E4E52CB5CC}"/>
+              </a:ext>
+            </a:extLst>
+          </p:cNvPr>
+          <p:cNvPicPr>
+            <a:picLocks noChangeAspect="1"/>
+          </p:cNvPicPr>
+          <p:nvPr/>
+        </p:nvPicPr>
+        <p:blipFill>
+          <a:blip r:embed="rId5">
+            <a:extLst>
+              <a:ext uri="{28A0092B-C50C-407E-A947-70E740481C1C}">
+                <a14:useLocalDpi xmlns:a14="http://schemas.microsoft.com/office/drawing/2010/main" val="0"/>
+              </a:ext>
+            </a:extLst>
+          </a:blip>
+          <a:stretch>
+            <a:fillRect/>
+          </a:stretch>
+        </p:blipFill>
+        <p:spPr>
+          <a:xfrm>
+            <a:off x="1935480" y="1722271"/>
+            <a:ext cx="1632049" cy="1632049"/>
+          </a:xfrm>
+          <a:prstGeom prst="rect">
+            <a:avLst/>
+          </a:prstGeom>
+        </p:spPr>
+      </p:pic>
+      <p:sp>
+        <p:nvSpPr>
+          <p:cNvPr id="5" name="CaixaDeTexto 4">
+            <a:extLst>
+              <a:ext uri="{FF2B5EF4-FFF2-40B4-BE49-F238E27FC236}">
+                <a16:creationId xmlns:a16="http://schemas.microsoft.com/office/drawing/2014/main" id="{F5EBFADD-F8C6-F5AA-F737-AD1FB293D58E}"/>
+              </a:ext>
+            </a:extLst>
+          </p:cNvPr>
+          <p:cNvSpPr txBox="1"/>
+          <p:nvPr/>
+        </p:nvSpPr>
+        <p:spPr>
+          <a:xfrm>
+            <a:off x="3813048" y="2104813"/>
+            <a:ext cx="1399032" cy="369332"/>
+          </a:xfrm>
+          <a:prstGeom prst="rect">
+            <a:avLst/>
+          </a:prstGeom>
+          <a:noFill/>
+        </p:spPr>
+        <p:txBody>
+          <a:bodyPr wrap="square" rtlCol="0">
+            <a:spAutoFit/>
+          </a:bodyPr>
+          <a:lstStyle/>
+          <a:p>
+            <a:r>
+              <a:rPr lang="pt-PT" i="1" dirty="0" err="1">
+                <a:solidFill>
+                  <a:schemeClr val="bg1"/>
+                </a:solidFill>
+              </a:rPr>
+              <a:t>Pycharm</a:t>
+            </a:r>
+            <a:endParaRPr lang="pt-PT" i="1" dirty="0">
+              <a:solidFill>
+                <a:schemeClr val="bg1"/>
+              </a:solidFill>
+            </a:endParaRPr>
+          </a:p>
+        </p:txBody>
+      </p:sp>
+      <p:pic>
+        <p:nvPicPr>
+          <p:cNvPr id="9" name="Imagem 8" descr="Uma imagem com Tipo de letra, logótipo, Gráficos, círculo&#10;&#10;Descrição gerada automaticamente">
+            <a:extLst>
+              <a:ext uri="{FF2B5EF4-FFF2-40B4-BE49-F238E27FC236}">
+                <a16:creationId xmlns:a16="http://schemas.microsoft.com/office/drawing/2014/main" id="{11C155AE-29B2-BE90-DC29-C97AB0B39408}"/>
+              </a:ext>
+            </a:extLst>
+          </p:cNvPr>
+          <p:cNvPicPr>
+            <a:picLocks noChangeAspect="1"/>
+          </p:cNvPicPr>
+          <p:nvPr/>
+        </p:nvPicPr>
+        <p:blipFill>
+          <a:blip r:embed="rId6">
+            <a:extLst>
+              <a:ext uri="{28A0092B-C50C-407E-A947-70E740481C1C}">
+                <a14:useLocalDpi xmlns:a14="http://schemas.microsoft.com/office/drawing/2010/main" val="0"/>
+              </a:ext>
+            </a:extLst>
+          </a:blip>
+          <a:stretch>
+            <a:fillRect/>
+          </a:stretch>
+        </p:blipFill>
+        <p:spPr>
+          <a:xfrm>
+            <a:off x="1932432" y="3921435"/>
+            <a:ext cx="2019704" cy="1855945"/>
+          </a:xfrm>
+          <a:prstGeom prst="rect">
+            <a:avLst/>
+          </a:prstGeom>
+        </p:spPr>
+      </p:pic>
+      <p:sp>
+        <p:nvSpPr>
+          <p:cNvPr id="10" name="CaixaDeTexto 9">
+            <a:extLst>
+              <a:ext uri="{FF2B5EF4-FFF2-40B4-BE49-F238E27FC236}">
+                <a16:creationId xmlns:a16="http://schemas.microsoft.com/office/drawing/2014/main" id="{75D7FD0C-5138-298E-51FA-273B9248F8D2}"/>
+              </a:ext>
+            </a:extLst>
+          </p:cNvPr>
+          <p:cNvSpPr txBox="1"/>
+          <p:nvPr/>
+        </p:nvSpPr>
+        <p:spPr>
+          <a:xfrm>
+            <a:off x="3952136" y="4664741"/>
+            <a:ext cx="2019704" cy="369332"/>
+          </a:xfrm>
+          <a:prstGeom prst="rect">
+            <a:avLst/>
+          </a:prstGeom>
+          <a:noFill/>
+        </p:spPr>
+        <p:txBody>
+          <a:bodyPr wrap="square" rtlCol="0">
+            <a:spAutoFit/>
+          </a:bodyPr>
+          <a:lstStyle/>
+          <a:p>
+            <a:r>
+              <a:rPr lang="pt-PT" i="1" dirty="0" err="1">
+                <a:solidFill>
+                  <a:schemeClr val="bg1"/>
+                </a:solidFill>
+              </a:rPr>
+              <a:t>Jupyter</a:t>
+            </a:r>
+            <a:r>
+              <a:rPr lang="pt-PT" i="1" dirty="0">
+                <a:solidFill>
+                  <a:schemeClr val="bg1"/>
+                </a:solidFill>
+              </a:rPr>
+              <a:t> Notebook</a:t>
             </a:r>
           </a:p>
         </p:txBody>
@@ -7998,36 +8238,6 @@
           <a:chExt cx="0" cy="0"/>
         </a:xfrm>
       </p:grpSpPr>
-      <p:pic>
-        <p:nvPicPr>
-          <p:cNvPr id="13" name="Imagem 12">
-            <a:extLst>
-              <a:ext uri="{FF2B5EF4-FFF2-40B4-BE49-F238E27FC236}">
-                <a16:creationId xmlns:a16="http://schemas.microsoft.com/office/drawing/2014/main" id="{4F478107-8970-1C61-819C-55CF1E1C9D01}"/>
-              </a:ext>
-            </a:extLst>
-          </p:cNvPr>
-          <p:cNvPicPr>
-            <a:picLocks noChangeAspect="1"/>
-          </p:cNvPicPr>
-          <p:nvPr/>
-        </p:nvPicPr>
-        <p:blipFill>
-          <a:blip r:embed="rId3"/>
-          <a:stretch>
-            <a:fillRect/>
-          </a:stretch>
-        </p:blipFill>
-        <p:spPr>
-          <a:xfrm>
-            <a:off x="468694" y="4122425"/>
-            <a:ext cx="5864683" cy="2309342"/>
-          </a:xfrm>
-          <a:prstGeom prst="rect">
-            <a:avLst/>
-          </a:prstGeom>
-        </p:spPr>
-      </p:pic>
       <p:cxnSp>
         <p:nvCxnSpPr>
           <p:cNvPr id="9" name="Conexão reta unidirecional 8">
@@ -8039,15 +8249,14 @@
           </p:cNvPr>
           <p:cNvCxnSpPr>
             <a:cxnSpLocks/>
-            <a:stCxn id="3" idx="1"/>
-            <a:endCxn id="13" idx="0"/>
+            <a:endCxn id="4" idx="0"/>
           </p:cNvCxnSpPr>
           <p:nvPr/>
         </p:nvCxnSpPr>
         <p:spPr>
           <a:xfrm flipH="1">
             <a:off x="3401036" y="3550311"/>
-            <a:ext cx="3418522" cy="572114"/>
+            <a:ext cx="3418522" cy="782167"/>
           </a:xfrm>
           <a:prstGeom prst="straightConnector1">
             <a:avLst/>
@@ -8136,7 +8345,7 @@
           <p:nvPr/>
         </p:nvPicPr>
         <p:blipFill>
-          <a:blip r:embed="rId4">
+          <a:blip r:embed="rId3">
             <a:extLst>
               <a:ext uri="{28A0092B-C50C-407E-A947-70E740481C1C}">
                 <a14:useLocalDpi xmlns:a14="http://schemas.microsoft.com/office/drawing/2010/main" val="0"/>
@@ -8274,10 +8483,10 @@
       </p:sp>
       <p:pic>
         <p:nvPicPr>
-          <p:cNvPr id="3" name="Imagem 2">
-            <a:extLst>
-              <a:ext uri="{FF2B5EF4-FFF2-40B4-BE49-F238E27FC236}">
-                <a16:creationId xmlns:a16="http://schemas.microsoft.com/office/drawing/2014/main" id="{7A1989A5-7089-45EA-9E38-D3CFB389E275}"/>
+          <p:cNvPr id="4" name="Imagem 3">
+            <a:extLst>
+              <a:ext uri="{FF2B5EF4-FFF2-40B4-BE49-F238E27FC236}">
+                <a16:creationId xmlns:a16="http://schemas.microsoft.com/office/drawing/2014/main" id="{A6A79CCA-403A-6561-2010-B212365E47E8}"/>
               </a:ext>
             </a:extLst>
           </p:cNvPr>
@@ -8287,15 +8496,15 @@
           <p:nvPr/>
         </p:nvPicPr>
         <p:blipFill>
-          <a:blip r:embed="rId5"/>
+          <a:blip r:embed="rId4"/>
           <a:stretch>
             <a:fillRect/>
           </a:stretch>
         </p:blipFill>
         <p:spPr>
           <a:xfrm>
-            <a:off x="6819558" y="1836927"/>
-            <a:ext cx="5095278" cy="3426768"/>
+            <a:off x="109196" y="4332478"/>
+            <a:ext cx="6583680" cy="1862433"/>
           </a:xfrm>
           <a:prstGeom prst="rect">
             <a:avLst/>
@@ -8487,102 +8696,6 @@
       </p:sp>
       <p:sp>
         <p:nvSpPr>
-          <p:cNvPr id="3" name="Marcador de Posição de Conteúdo 2">
-            <a:extLst>
-              <a:ext uri="{FF2B5EF4-FFF2-40B4-BE49-F238E27FC236}">
-                <a16:creationId xmlns:a16="http://schemas.microsoft.com/office/drawing/2014/main" id="{09F721C7-1DAD-E89D-1D77-583A82F3159E}"/>
-              </a:ext>
-            </a:extLst>
-          </p:cNvPr>
-          <p:cNvSpPr>
-            <a:spLocks noGrp="1"/>
-          </p:cNvSpPr>
-          <p:nvPr>
-            <p:ph sz="half" idx="1"/>
-          </p:nvPr>
-        </p:nvSpPr>
-        <p:spPr>
-          <a:xfrm>
-            <a:off x="609600" y="2558181"/>
-            <a:ext cx="5384800" cy="2392362"/>
-          </a:xfrm>
-        </p:spPr>
-        <p:txBody>
-          <a:bodyPr anchor="t">
-            <a:normAutofit fontScale="77500" lnSpcReduction="20000"/>
-          </a:bodyPr>
-          <a:lstStyle/>
-          <a:p>
-            <a:r>
-              <a:rPr lang="en-US" sz="2800" dirty="0"/>
-              <a:t>Adding a second game mode (arcade mode)</a:t>
-            </a:r>
-          </a:p>
-          <a:p>
-            <a:pPr marL="64008" indent="0">
-              <a:buNone/>
-            </a:pPr>
-            <a:endParaRPr lang="en-US" sz="2400" dirty="0"/>
-          </a:p>
-          <a:p>
-            <a:r>
-              <a:rPr lang="en-US" dirty="0"/>
-              <a:t>Add more levels </a:t>
-            </a:r>
-          </a:p>
-          <a:p>
-            <a:pPr marL="64008" indent="0">
-              <a:buNone/>
-            </a:pPr>
-            <a:endParaRPr lang="en-US" sz="2400" dirty="0"/>
-          </a:p>
-          <a:p>
-            <a:r>
-              <a:rPr lang="en-US" dirty="0"/>
-              <a:t>Improve map design</a:t>
-            </a:r>
-          </a:p>
-        </p:txBody>
-      </p:sp>
-      <p:pic>
-        <p:nvPicPr>
-          <p:cNvPr id="5" name="Picture 7">
-            <a:extLst>
-              <a:ext uri="{FF2B5EF4-FFF2-40B4-BE49-F238E27FC236}">
-                <a16:creationId xmlns:a16="http://schemas.microsoft.com/office/drawing/2014/main" id="{59204F8A-DECB-8AC5-D419-0951DB936AEA}"/>
-              </a:ext>
-            </a:extLst>
-          </p:cNvPr>
-          <p:cNvPicPr>
-            <a:picLocks noChangeAspect="1"/>
-          </p:cNvPicPr>
-          <p:nvPr/>
-        </p:nvPicPr>
-        <p:blipFill>
-          <a:blip r:embed="rId2" cstate="print">
-            <a:extLst>
-              <a:ext uri="{28A0092B-C50C-407E-A947-70E740481C1C}">
-                <a14:useLocalDpi xmlns:a14="http://schemas.microsoft.com/office/drawing/2010/main" val="0"/>
-              </a:ext>
-            </a:extLst>
-          </a:blip>
-          <a:stretch>
-            <a:fillRect/>
-          </a:stretch>
-        </p:blipFill>
-        <p:spPr>
-          <a:xfrm>
-            <a:off x="6197600" y="1966119"/>
-            <a:ext cx="5384800" cy="4038600"/>
-          </a:xfrm>
-          <a:prstGeom prst="rect">
-            <a:avLst/>
-          </a:prstGeom>
-          <a:noFill/>
-        </p:spPr>
-      </p:pic>
-      <p:sp>
-        <p:nvSpPr>
           <p:cNvPr id="4" name="Marcador de Posição do Número do Diapositivo 3">
             <a:extLst>
               <a:ext uri="{FF2B5EF4-FFF2-40B4-BE49-F238E27FC236}">
@@ -8624,59 +8737,6 @@
               <a:t>8</a:t>
             </a:fld>
             <a:endParaRPr lang="en-US"/>
-          </a:p>
-        </p:txBody>
-      </p:sp>
-      <p:sp>
-        <p:nvSpPr>
-          <p:cNvPr id="6" name="CaixaDeTexto 5">
-            <a:extLst>
-              <a:ext uri="{FF2B5EF4-FFF2-40B4-BE49-F238E27FC236}">
-                <a16:creationId xmlns:a16="http://schemas.microsoft.com/office/drawing/2014/main" id="{BE72FB1B-6BE8-37E2-DADE-D53213A964BE}"/>
-              </a:ext>
-            </a:extLst>
-          </p:cNvPr>
-          <p:cNvSpPr txBox="1"/>
-          <p:nvPr/>
-        </p:nvSpPr>
-        <p:spPr>
-          <a:xfrm>
-            <a:off x="8445910" y="6004719"/>
-            <a:ext cx="2133600" cy="369332"/>
-          </a:xfrm>
-          <a:prstGeom prst="rect">
-            <a:avLst/>
-          </a:prstGeom>
-          <a:noFill/>
-        </p:spPr>
-        <p:txBody>
-          <a:bodyPr wrap="square" rtlCol="0">
-            <a:spAutoFit/>
-          </a:bodyPr>
-          <a:lstStyle/>
-          <a:p>
-            <a:r>
-              <a:rPr lang="pt-PT" i="1" dirty="0" err="1">
-                <a:solidFill>
-                  <a:schemeClr val="bg1"/>
-                </a:solidFill>
-                <a:latin typeface="Corbel" panose="020B0503020204020204" pitchFamily="34" charset="0"/>
-              </a:rPr>
-              <a:t>Mock-</a:t>
-            </a:r>
-            <a:r>
-              <a:rPr lang="pt-PT" i="1" dirty="0" err="1">
-                <a:solidFill>
-                  <a:schemeClr val="bg1"/>
-                </a:solidFill>
-              </a:rPr>
-              <a:t>Up</a:t>
-            </a:r>
-            <a:endParaRPr lang="pt-PT" i="1" dirty="0">
-              <a:solidFill>
-                <a:schemeClr val="bg1"/>
-              </a:solidFill>
-            </a:endParaRPr>
           </a:p>
         </p:txBody>
       </p:sp>

--- a/AB/Apresentacao/APRESENTACAO_AB.pptx
+++ b/AB/Apresentacao/APRESENTACAO_AB.pptx
@@ -6,7 +6,7 @@
     <p:sldMasterId id="2147483660" r:id="rId2"/>
   </p:sldMasterIdLst>
   <p:notesMasterIdLst>
-    <p:notesMasterId r:id="rId12"/>
+    <p:notesMasterId r:id="rId13"/>
   </p:notesMasterIdLst>
   <p:sldIdLst>
     <p:sldId id="256" r:id="rId3"/>
@@ -14,10 +14,11 @@
     <p:sldId id="312" r:id="rId5"/>
     <p:sldId id="287" r:id="rId6"/>
     <p:sldId id="295" r:id="rId7"/>
-    <p:sldId id="308" r:id="rId8"/>
-    <p:sldId id="309" r:id="rId9"/>
-    <p:sldId id="314" r:id="rId10"/>
-    <p:sldId id="304" r:id="rId11"/>
+    <p:sldId id="315" r:id="rId8"/>
+    <p:sldId id="316" r:id="rId9"/>
+    <p:sldId id="309" r:id="rId10"/>
+    <p:sldId id="314" r:id="rId11"/>
+    <p:sldId id="304" r:id="rId12"/>
   </p:sldIdLst>
   <p:sldSz cx="12192000" cy="6858000"/>
   <p:notesSz cx="6858000" cy="9144000"/>
@@ -455,7 +456,7 @@
           <a:p>
             <a:fld id="{7A8AB67A-1EC8-49FE-8590-E6659B1348B3}" type="datetimeFigureOut">
               <a:rPr lang="pt-PT" smtClean="0"/>
-              <a:t>23/03/2024</a:t>
+              <a:t>24/03/2024</a:t>
             </a:fld>
             <a:endParaRPr lang="pt-PT" dirty="0"/>
           </a:p>
@@ -1269,153 +1270,7 @@
                 <a:tabLst/>
                 <a:defRPr/>
               </a:pPr>
-              <a:t>6</a:t>
-            </a:fld>
-            <a:endParaRPr kumimoji="0" lang="en-US" sz="1200" b="0" i="0" u="none" strike="noStrike" kern="1200" cap="none" spc="0" normalizeH="0" baseline="0" noProof="0" dirty="0">
-              <a:ln>
-                <a:noFill/>
-              </a:ln>
-              <a:solidFill>
-                <a:prstClr val="black"/>
-              </a:solidFill>
-              <a:effectLst/>
-              <a:uLnTx/>
-              <a:uFillTx/>
-              <a:latin typeface="Calibri"/>
-              <a:ea typeface="+mn-ea"/>
-              <a:cs typeface="+mn-cs"/>
-            </a:endParaRPr>
-          </a:p>
-        </p:txBody>
-      </p:sp>
-    </p:spTree>
-    <p:extLst>
-      <p:ext uri="{BB962C8B-B14F-4D97-AF65-F5344CB8AC3E}">
-        <p14:creationId xmlns:p14="http://schemas.microsoft.com/office/powerpoint/2010/main" val="549514324"/>
-      </p:ext>
-    </p:extLst>
-  </p:cSld>
-  <p:clrMapOvr>
-    <a:masterClrMapping/>
-  </p:clrMapOvr>
-</p:notes>
-</file>
-
-<file path=ppt/notesSlides/notesSlide5.xml><?xml version="1.0" encoding="utf-8"?>
-<p:notes xmlns:a="http://schemas.openxmlformats.org/drawingml/2006/main" xmlns:r="http://schemas.openxmlformats.org/officeDocument/2006/relationships" xmlns:p="http://schemas.openxmlformats.org/presentationml/2006/main">
-  <p:cSld>
-    <p:spTree>
-      <p:nvGrpSpPr>
-        <p:cNvPr id="1" name=""/>
-        <p:cNvGrpSpPr/>
-        <p:nvPr/>
-      </p:nvGrpSpPr>
-      <p:grpSpPr>
-        <a:xfrm>
-          <a:off x="0" y="0"/>
-          <a:ext cx="0" cy="0"/>
-          <a:chOff x="0" y="0"/>
-          <a:chExt cx="0" cy="0"/>
-        </a:xfrm>
-      </p:grpSpPr>
-      <p:sp>
-        <p:nvSpPr>
-          <p:cNvPr id="2" name="Slide Image Placeholder 1"/>
-          <p:cNvSpPr>
-            <a:spLocks noGrp="1" noRot="1" noChangeAspect="1"/>
-          </p:cNvSpPr>
-          <p:nvPr>
-            <p:ph type="sldImg"/>
-          </p:nvPr>
-        </p:nvSpPr>
-        <p:spPr/>
-      </p:sp>
-      <p:sp>
-        <p:nvSpPr>
-          <p:cNvPr id="3" name="Notes Placeholder 2"/>
-          <p:cNvSpPr>
-            <a:spLocks noGrp="1"/>
-          </p:cNvSpPr>
-          <p:nvPr>
-            <p:ph type="body" idx="1"/>
-          </p:nvPr>
-        </p:nvSpPr>
-        <p:spPr/>
-        <p:txBody>
-          <a:bodyPr>
-            <a:normAutofit/>
-          </a:bodyPr>
-          <a:lstStyle/>
-          <a:p>
-            <a:endParaRPr lang="en-US" dirty="0"/>
-          </a:p>
-        </p:txBody>
-      </p:sp>
-      <p:sp>
-        <p:nvSpPr>
-          <p:cNvPr id="4" name="Slide Number Placeholder 3"/>
-          <p:cNvSpPr>
-            <a:spLocks noGrp="1"/>
-          </p:cNvSpPr>
-          <p:nvPr>
-            <p:ph type="sldNum" sz="quarter" idx="10"/>
-          </p:nvPr>
-        </p:nvSpPr>
-        <p:spPr/>
-        <p:txBody>
-          <a:bodyPr/>
-          <a:lstStyle/>
-          <a:p>
-            <a:pPr marL="0" marR="0" lvl="0" indent="0" algn="r" defTabSz="914400" rtl="0" eaLnBrk="1" fontAlgn="auto" latinLnBrk="0" hangingPunct="1">
-              <a:lnSpc>
-                <a:spcPct val="100000"/>
-              </a:lnSpc>
-              <a:spcBef>
-                <a:spcPts val="0"/>
-              </a:spcBef>
-              <a:spcAft>
-                <a:spcPts val="0"/>
-              </a:spcAft>
-              <a:buClrTx/>
-              <a:buSzTx/>
-              <a:buFontTx/>
-              <a:buNone/>
-              <a:tabLst/>
-              <a:defRPr/>
-            </a:pPr>
-            <a:fld id="{7C4E7652-46AF-4259-BAE2-54978EA077CD}" type="slidenum">
-              <a:rPr kumimoji="0" lang="en-US" sz="1200" b="0" i="0" u="none" strike="noStrike" kern="1200" cap="none" spc="0" normalizeH="0" baseline="0" noProof="0" smtClean="0">
-                <a:ln>
-                  <a:noFill/>
-                </a:ln>
-                <a:solidFill>
-                  <a:prstClr val="black"/>
-                </a:solidFill>
-                <a:effectLst/>
-                <a:uLnTx/>
-                <a:uFillTx/>
-                <a:latin typeface="Calibri"/>
-                <a:ea typeface="+mn-ea"/>
-                <a:cs typeface="+mn-cs"/>
-              </a:rPr>
-              <a:pPr marL="0" marR="0" lvl="0" indent="0" algn="r" defTabSz="914400" rtl="0" eaLnBrk="1" fontAlgn="auto" latinLnBrk="0" hangingPunct="1">
-                <a:lnSpc>
-                  <a:spcPct val="100000"/>
-                </a:lnSpc>
-                <a:spcBef>
-                  <a:spcPts val="0"/>
-                </a:spcBef>
-                <a:spcAft>
-                  <a:spcPts val="0"/>
-                </a:spcAft>
-                <a:buClrTx/>
-                <a:buSzTx/>
-                <a:buFontTx/>
-                <a:buNone/>
-                <a:tabLst/>
-                <a:defRPr/>
-              </a:pPr>
-              <a:t>9</a:t>
+              <a:t>10</a:t>
             </a:fld>
             <a:endParaRPr kumimoji="0" lang="en-US" sz="1200" b="0" i="0" u="none" strike="noStrike" kern="1200" cap="none" spc="0" normalizeH="0" baseline="0" noProof="0" dirty="0">
               <a:ln>
@@ -1594,7 +1449,7 @@
           <a:p>
             <a:fld id="{92188506-BD2C-4325-AF91-290FDF8504A3}" type="datetime1">
               <a:rPr lang="en-US" smtClean="0"/>
-              <a:t>3/23/2024</a:t>
+              <a:t>3/24/2024</a:t>
             </a:fld>
             <a:endParaRPr lang="pt-PT" dirty="0"/>
           </a:p>
@@ -1792,7 +1647,7 @@
           <a:p>
             <a:fld id="{4902DE7A-70B2-485E-8478-1C5064EA33E3}" type="datetime1">
               <a:rPr lang="en-US" smtClean="0"/>
-              <a:t>3/23/2024</a:t>
+              <a:t>3/24/2024</a:t>
             </a:fld>
             <a:endParaRPr lang="pt-PT" dirty="0"/>
           </a:p>
@@ -2000,7 +1855,7 @@
           <a:p>
             <a:fld id="{946FA1BB-5F98-4C61-9402-6EE37C0F8B3D}" type="datetime1">
               <a:rPr lang="en-US" smtClean="0"/>
-              <a:t>3/23/2024</a:t>
+              <a:t>3/24/2024</a:t>
             </a:fld>
             <a:endParaRPr lang="pt-PT" dirty="0"/>
           </a:p>
@@ -2428,7 +2283,7 @@
             <a:pPr algn="r"/>
             <a:fld id="{2A6E4AFE-2410-4ABD-853B-A93575E402C8}" type="datetime1">
               <a:rPr lang="en-US" smtClean="0"/>
-              <a:t>3/23/2024</a:t>
+              <a:t>3/24/2024</a:t>
             </a:fld>
             <a:endParaRPr lang="en-US" sz="1000" dirty="0"/>
           </a:p>
@@ -3595,7 +3450,7 @@
           <a:p>
             <a:fld id="{7EA9AA58-84AA-45DC-9BB9-A82FE45F80E5}" type="datetime1">
               <a:rPr lang="en-US" smtClean="0"/>
-              <a:t>3/23/2024</a:t>
+              <a:t>3/24/2024</a:t>
             </a:fld>
             <a:endParaRPr lang="pt-PT" dirty="0"/>
           </a:p>
@@ -3870,7 +3725,7 @@
           <a:p>
             <a:fld id="{ABEDC208-4E46-430E-B883-0015E21FD30C}" type="datetime1">
               <a:rPr lang="en-US" smtClean="0"/>
-              <a:t>3/23/2024</a:t>
+              <a:t>3/24/2024</a:t>
             </a:fld>
             <a:endParaRPr lang="pt-PT" dirty="0"/>
           </a:p>
@@ -4135,7 +3990,7 @@
           <a:p>
             <a:fld id="{A5963E61-9225-4EF4-87DE-ACBFA86964D2}" type="datetime1">
               <a:rPr lang="en-US" smtClean="0"/>
-              <a:t>3/23/2024</a:t>
+              <a:t>3/24/2024</a:t>
             </a:fld>
             <a:endParaRPr lang="pt-PT" dirty="0"/>
           </a:p>
@@ -4547,7 +4402,7 @@
           <a:p>
             <a:fld id="{5E389D07-6428-4B32-8EB7-52B10795AFC2}" type="datetime1">
               <a:rPr lang="en-US" smtClean="0"/>
-              <a:t>3/23/2024</a:t>
+              <a:t>3/24/2024</a:t>
             </a:fld>
             <a:endParaRPr lang="pt-PT" dirty="0"/>
           </a:p>
@@ -4688,7 +4543,7 @@
           <a:p>
             <a:fld id="{EA1AD0CE-1DF2-41AB-8D43-F03BB5EC74EE}" type="datetime1">
               <a:rPr lang="en-US" smtClean="0"/>
-              <a:t>3/23/2024</a:t>
+              <a:t>3/24/2024</a:t>
             </a:fld>
             <a:endParaRPr lang="pt-PT" dirty="0"/>
           </a:p>
@@ -4801,7 +4656,7 @@
           <a:p>
             <a:fld id="{636E0930-A236-4199-B07A-9FE7D9C4956D}" type="datetime1">
               <a:rPr lang="en-US" smtClean="0"/>
-              <a:t>3/23/2024</a:t>
+              <a:t>3/24/2024</a:t>
             </a:fld>
             <a:endParaRPr lang="pt-PT" dirty="0"/>
           </a:p>
@@ -5112,7 +4967,7 @@
           <a:p>
             <a:fld id="{8C421111-2CA7-48C3-B701-E9A7D399FE77}" type="datetime1">
               <a:rPr lang="en-US" smtClean="0"/>
-              <a:t>3/23/2024</a:t>
+              <a:t>3/24/2024</a:t>
             </a:fld>
             <a:endParaRPr lang="pt-PT" dirty="0"/>
           </a:p>
@@ -5400,7 +5255,7 @@
           <a:p>
             <a:fld id="{F6791518-908B-4DE5-A883-233353CA5B16}" type="datetime1">
               <a:rPr lang="en-US" smtClean="0"/>
-              <a:t>3/23/2024</a:t>
+              <a:t>3/24/2024</a:t>
             </a:fld>
             <a:endParaRPr lang="pt-PT" dirty="0"/>
           </a:p>
@@ -5641,7 +5496,7 @@
           <a:p>
             <a:fld id="{C0F5B503-7F49-4663-BCC5-21AB298C92CA}" type="datetime1">
               <a:rPr lang="en-US" smtClean="0"/>
-              <a:t>3/23/2024</a:t>
+              <a:t>3/24/2024</a:t>
             </a:fld>
             <a:endParaRPr lang="pt-PT" dirty="0"/>
           </a:p>
@@ -6739,51 +6594,6 @@
       </p:grpSpPr>
       <p:sp>
         <p:nvSpPr>
-          <p:cNvPr id="2" name="Rectangle 1"/>
-          <p:cNvSpPr>
-            <a:spLocks noGrp="1"/>
-          </p:cNvSpPr>
-          <p:nvPr>
-            <p:ph type="ctrTitle"/>
-          </p:nvPr>
-        </p:nvSpPr>
-        <p:spPr>
-          <a:xfrm>
-            <a:off x="521110" y="464950"/>
-            <a:ext cx="10950166" cy="2543382"/>
-          </a:xfrm>
-        </p:spPr>
-        <p:txBody>
-          <a:bodyPr/>
-          <a:lstStyle/>
-          <a:p>
-            <a:r>
-              <a:rPr lang="pt-PT" sz="6000" dirty="0" err="1">
-                <a:solidFill>
-                  <a:schemeClr val="bg1"/>
-                </a:solidFill>
-              </a:rPr>
-              <a:t>Destroy</a:t>
-            </a:r>
-            <a:br>
-              <a:rPr lang="pt-PT" sz="7200" dirty="0">
-                <a:solidFill>
-                  <a:schemeClr val="bg1"/>
-                </a:solidFill>
-              </a:rPr>
-            </a:br>
-            <a:endParaRPr lang="pt-PT" sz="4400" b="0" dirty="0">
-              <a:solidFill>
-                <a:schemeClr val="bg1"/>
-              </a:solidFill>
-              <a:latin typeface="Segoe UI (Títulos)"/>
-              <a:cs typeface="Times New Roman" panose="02020603050405020304" pitchFamily="18" charset="0"/>
-            </a:endParaRPr>
-          </a:p>
-        </p:txBody>
-      </p:sp>
-      <p:sp>
-        <p:nvSpPr>
           <p:cNvPr id="3" name="Rectangle 2"/>
           <p:cNvSpPr>
             <a:spLocks noGrp="1"/>
@@ -6957,7 +6767,7 @@
                   </a:schemeClr>
                 </a:solidFill>
               </a:rPr>
-              <a:t>23/03/2024</a:t>
+              <a:t>24/03/2024</a:t>
             </a:fld>
             <a:endParaRPr lang="pt-PT" sz="2000" dirty="0">
               <a:solidFill>
@@ -7017,7 +6827,327 @@
           </a:extLst>
         </p:spPr>
       </p:pic>
+      <p:sp>
+        <p:nvSpPr>
+          <p:cNvPr id="4" name="Rectangle 1">
+            <a:extLst>
+              <a:ext uri="{FF2B5EF4-FFF2-40B4-BE49-F238E27FC236}">
+                <a16:creationId xmlns:a16="http://schemas.microsoft.com/office/drawing/2014/main" id="{E99E3A23-B5D4-7757-8AB1-1D7A8057947B}"/>
+              </a:ext>
+            </a:extLst>
+          </p:cNvPr>
+          <p:cNvSpPr>
+            <a:spLocks noGrp="1"/>
+          </p:cNvSpPr>
+          <p:nvPr/>
+        </p:nvSpPr>
+        <p:spPr>
+          <a:xfrm>
+            <a:off x="1679129" y="704088"/>
+            <a:ext cx="10272635" cy="1814532"/>
+          </a:xfrm>
+          <a:prstGeom prst="rect">
+            <a:avLst/>
+          </a:prstGeom>
+        </p:spPr>
+        <p:txBody>
+          <a:bodyPr vert="horz" lIns="0" rIns="0" anchor="b">
+            <a:noAutofit/>
+          </a:bodyPr>
+          <a:lstStyle>
+            <a:lvl1pPr marL="182880" algn="r" rtl="0" eaLnBrk="1" latinLnBrk="0" hangingPunct="1">
+              <a:spcBef>
+                <a:spcPct val="0"/>
+              </a:spcBef>
+              <a:buNone/>
+              <a:defRPr sz="4500" b="1" kern="1200">
+                <a:ln w="6350">
+                  <a:noFill/>
+                </a:ln>
+                <a:solidFill>
+                  <a:schemeClr val="bg2"/>
+                </a:solidFill>
+                <a:effectLst/>
+                <a:latin typeface="+mj-lt"/>
+                <a:ea typeface="+mj-ea"/>
+                <a:cs typeface="+mj-cs"/>
+              </a:defRPr>
+            </a:lvl1pPr>
+          </a:lstStyle>
+          <a:p>
+            <a:r>
+              <a:rPr lang="pt-PT" sz="6000" dirty="0" err="1">
+                <a:solidFill>
+                  <a:schemeClr val="bg1"/>
+                </a:solidFill>
+              </a:rPr>
+              <a:t>Bioinformatics</a:t>
+            </a:r>
+            <a:r>
+              <a:rPr lang="pt-PT" sz="6000" dirty="0">
+                <a:solidFill>
+                  <a:schemeClr val="bg1"/>
+                </a:solidFill>
+              </a:rPr>
+              <a:t> </a:t>
+            </a:r>
+            <a:r>
+              <a:rPr lang="pt-PT" sz="6000" dirty="0" err="1">
+                <a:solidFill>
+                  <a:schemeClr val="bg1"/>
+                </a:solidFill>
+              </a:rPr>
+              <a:t>Algorithms</a:t>
+            </a:r>
+            <a:br>
+              <a:rPr lang="pt-PT" sz="7200" dirty="0">
+                <a:solidFill>
+                  <a:schemeClr val="bg1"/>
+                </a:solidFill>
+              </a:rPr>
+            </a:br>
+            <a:r>
+              <a:rPr lang="en-US" sz="4400" b="0" i="0" dirty="0">
+                <a:solidFill>
+                  <a:schemeClr val="bg1"/>
+                </a:solidFill>
+                <a:effectLst/>
+                <a:latin typeface="Whitney"/>
+              </a:rPr>
+              <a:t>Project proposal</a:t>
+            </a:r>
+            <a:endParaRPr lang="pt-PT" sz="4400" b="0" dirty="0">
+              <a:solidFill>
+                <a:schemeClr val="bg1"/>
+              </a:solidFill>
+              <a:latin typeface="Segoe UI (Títulos)"/>
+              <a:cs typeface="Times New Roman" panose="02020603050405020304" pitchFamily="18" charset="0"/>
+            </a:endParaRPr>
+          </a:p>
+        </p:txBody>
+      </p:sp>
     </p:spTree>
+  </p:cSld>
+  <p:clrMapOvr>
+    <a:masterClrMapping/>
+  </p:clrMapOvr>
+</p:sld>
+</file>
+
+<file path=ppt/slides/slide10.xml><?xml version="1.0" encoding="utf-8"?>
+<p:sld xmlns:a="http://schemas.openxmlformats.org/drawingml/2006/main" xmlns:r="http://schemas.openxmlformats.org/officeDocument/2006/relationships" xmlns:p="http://schemas.openxmlformats.org/presentationml/2006/main">
+  <p:cSld>
+    <p:spTree>
+      <p:nvGrpSpPr>
+        <p:cNvPr id="1" name=""/>
+        <p:cNvGrpSpPr/>
+        <p:nvPr/>
+      </p:nvGrpSpPr>
+      <p:grpSpPr>
+        <a:xfrm>
+          <a:off x="0" y="0"/>
+          <a:ext cx="0" cy="0"/>
+          <a:chOff x="0" y="0"/>
+          <a:chExt cx="0" cy="0"/>
+        </a:xfrm>
+      </p:grpSpPr>
+      <p:sp>
+        <p:nvSpPr>
+          <p:cNvPr id="6" name="Slide Number Placeholder 5">
+            <a:extLst>
+              <a:ext uri="{FF2B5EF4-FFF2-40B4-BE49-F238E27FC236}">
+                <a16:creationId xmlns:a16="http://schemas.microsoft.com/office/drawing/2014/main" id="{F2040447-BBDA-4C18-B81B-B5DA1D4FA85B}"/>
+              </a:ext>
+            </a:extLst>
+          </p:cNvPr>
+          <p:cNvSpPr>
+            <a:spLocks noGrp="1"/>
+          </p:cNvSpPr>
+          <p:nvPr>
+            <p:ph type="sldNum" sz="quarter" idx="11"/>
+          </p:nvPr>
+        </p:nvSpPr>
+        <p:spPr/>
+        <p:txBody>
+          <a:bodyPr/>
+          <a:lstStyle/>
+          <a:p>
+            <a:fld id="{FEA1243F-3000-4347-94A4-FBDEAD3122CB}" type="slidenum">
+              <a:rPr lang="en-US">
+                <a:solidFill>
+                  <a:srgbClr val="262626"/>
+                </a:solidFill>
+                <a:latin typeface="Arial"/>
+              </a:rPr>
+              <a:pPr/>
+              <a:t>10</a:t>
+            </a:fld>
+            <a:endParaRPr lang="en-US" dirty="0">
+              <a:solidFill>
+                <a:srgbClr val="262626"/>
+              </a:solidFill>
+              <a:latin typeface="Arial"/>
+            </a:endParaRPr>
+          </a:p>
+        </p:txBody>
+      </p:sp>
+      <p:pic>
+        <p:nvPicPr>
+          <p:cNvPr id="7" name="Picture 8" descr="logo-isel | InOut">
+            <a:extLst>
+              <a:ext uri="{FF2B5EF4-FFF2-40B4-BE49-F238E27FC236}">
+                <a16:creationId xmlns:a16="http://schemas.microsoft.com/office/drawing/2014/main" id="{F174BEE5-12F8-44C2-9A19-6998ED6B3AC8}"/>
+              </a:ext>
+            </a:extLst>
+          </p:cNvPr>
+          <p:cNvPicPr>
+            <a:picLocks noChangeAspect="1" noChangeArrowheads="1"/>
+          </p:cNvPicPr>
+          <p:nvPr/>
+        </p:nvPicPr>
+        <p:blipFill>
+          <a:blip r:embed="rId3">
+            <a:extLst>
+              <a:ext uri="{28A0092B-C50C-407E-A947-70E740481C1C}">
+                <a14:useLocalDpi xmlns:a14="http://schemas.microsoft.com/office/drawing/2010/main" val="0"/>
+              </a:ext>
+            </a:extLst>
+          </a:blip>
+          <a:srcRect/>
+          <a:stretch>
+            <a:fillRect/>
+          </a:stretch>
+        </p:blipFill>
+        <p:spPr bwMode="auto">
+          <a:xfrm>
+            <a:off x="9554011" y="0"/>
+            <a:ext cx="1194854" cy="719232"/>
+          </a:xfrm>
+          <a:prstGeom prst="rect">
+            <a:avLst/>
+          </a:prstGeom>
+          <a:noFill/>
+          <a:extLst>
+            <a:ext uri="{909E8E84-426E-40DD-AFC4-6F175D3DCCD1}">
+              <a14:hiddenFill xmlns:a14="http://schemas.microsoft.com/office/drawing/2010/main">
+                <a:solidFill>
+                  <a:srgbClr val="FFFFFF"/>
+                </a:solidFill>
+              </a14:hiddenFill>
+            </a:ext>
+          </a:extLst>
+        </p:spPr>
+      </p:pic>
+      <p:sp>
+        <p:nvSpPr>
+          <p:cNvPr id="12" name="Retângulo 11">
+            <a:extLst>
+              <a:ext uri="{FF2B5EF4-FFF2-40B4-BE49-F238E27FC236}">
+                <a16:creationId xmlns:a16="http://schemas.microsoft.com/office/drawing/2014/main" id="{3DB3AB42-FC6C-4F21-A609-FB8192C6CF8C}"/>
+              </a:ext>
+            </a:extLst>
+          </p:cNvPr>
+          <p:cNvSpPr/>
+          <p:nvPr/>
+        </p:nvSpPr>
+        <p:spPr>
+          <a:xfrm>
+            <a:off x="0" y="6457720"/>
+            <a:ext cx="12192000" cy="45719"/>
+          </a:xfrm>
+          <a:prstGeom prst="rect">
+            <a:avLst/>
+          </a:prstGeom>
+          <a:ln>
+            <a:noFill/>
+          </a:ln>
+        </p:spPr>
+        <p:style>
+          <a:lnRef idx="2">
+            <a:schemeClr val="accent1">
+              <a:shade val="50000"/>
+            </a:schemeClr>
+          </a:lnRef>
+          <a:fillRef idx="1">
+            <a:schemeClr val="accent1"/>
+          </a:fillRef>
+          <a:effectRef idx="0">
+            <a:schemeClr val="accent1"/>
+          </a:effectRef>
+          <a:fontRef idx="minor">
+            <a:schemeClr val="lt1"/>
+          </a:fontRef>
+        </p:style>
+        <p:txBody>
+          <a:bodyPr rtlCol="0" anchor="ctr"/>
+          <a:lstStyle/>
+          <a:p>
+            <a:pPr algn="ctr"/>
+            <a:endParaRPr lang="pt-PT" dirty="0"/>
+          </a:p>
+        </p:txBody>
+      </p:sp>
+      <p:sp>
+        <p:nvSpPr>
+          <p:cNvPr id="11" name="Rectangle 1">
+            <a:extLst>
+              <a:ext uri="{FF2B5EF4-FFF2-40B4-BE49-F238E27FC236}">
+                <a16:creationId xmlns:a16="http://schemas.microsoft.com/office/drawing/2014/main" id="{2FD89244-6BE1-4503-9923-5D761E925386}"/>
+              </a:ext>
+            </a:extLst>
+          </p:cNvPr>
+          <p:cNvSpPr txBox="1">
+            <a:spLocks/>
+          </p:cNvSpPr>
+          <p:nvPr/>
+        </p:nvSpPr>
+        <p:spPr>
+          <a:xfrm>
+            <a:off x="3003203" y="2981662"/>
+            <a:ext cx="6789727" cy="1213627"/>
+          </a:xfrm>
+          <a:prstGeom prst="rect">
+            <a:avLst/>
+          </a:prstGeom>
+        </p:spPr>
+        <p:txBody>
+          <a:bodyPr vert="horz" lIns="0" rIns="0" anchor="ctr">
+            <a:noAutofit/>
+          </a:bodyPr>
+          <a:lstStyle>
+            <a:lvl1pPr marL="182880" algn="l" rtl="0" eaLnBrk="1" latinLnBrk="0" hangingPunct="1">
+              <a:spcBef>
+                <a:spcPct val="0"/>
+              </a:spcBef>
+              <a:buNone/>
+              <a:defRPr sz="4000" b="1" kern="1200">
+                <a:ln w="6350">
+                  <a:noFill/>
+                </a:ln>
+                <a:solidFill>
+                  <a:schemeClr val="accent1"/>
+                </a:solidFill>
+                <a:effectLst/>
+                <a:latin typeface="+mj-lt"/>
+                <a:ea typeface="+mj-ea"/>
+                <a:cs typeface="+mj-cs"/>
+              </a:defRPr>
+            </a:lvl1pPr>
+          </a:lstStyle>
+          <a:p>
+            <a:r>
+              <a:rPr lang="en-US" sz="9600" dirty="0"/>
+              <a:t>Questions?</a:t>
+            </a:r>
+          </a:p>
+        </p:txBody>
+      </p:sp>
+    </p:spTree>
+    <p:extLst>
+      <p:ext uri="{BB962C8B-B14F-4D97-AF65-F5344CB8AC3E}">
+        <p14:creationId xmlns:p14="http://schemas.microsoft.com/office/powerpoint/2010/main" val="3736807878"/>
+      </p:ext>
+    </p:extLst>
   </p:cSld>
   <p:clrMapOvr>
     <a:masterClrMapping/>
@@ -7088,8 +7218,8 @@
         </p:nvSpPr>
         <p:spPr>
           <a:xfrm>
-            <a:off x="1150374" y="1164701"/>
-            <a:ext cx="4552335" cy="5186938"/>
+            <a:off x="1307592" y="1364176"/>
+            <a:ext cx="4270248" cy="4469696"/>
           </a:xfrm>
         </p:spPr>
         <p:txBody>
@@ -7098,11 +7228,107 @@
           </a:bodyPr>
           <a:lstStyle/>
           <a:p>
+            <a:pPr marL="64008" indent="0">
+              <a:buNone/>
+            </a:pPr>
+            <a:endParaRPr lang="en-US" sz="2800" dirty="0"/>
+          </a:p>
+          <a:p>
             <a:pPr marL="578358" indent="-514350">
               <a:buFont typeface="+mj-lt"/>
               <a:buAutoNum type="arabicPeriod"/>
             </a:pPr>
-            <a:endParaRPr lang="en-US" sz="2800" dirty="0"/>
+            <a:r>
+              <a:rPr lang="pt-PT" sz="2200" dirty="0" err="1"/>
+              <a:t>Problem</a:t>
+            </a:r>
+            <a:endParaRPr lang="pt-PT" sz="2200" dirty="0"/>
+          </a:p>
+          <a:p>
+            <a:pPr marL="578358" indent="-514350">
+              <a:buFont typeface="+mj-lt"/>
+              <a:buAutoNum type="arabicPeriod"/>
+            </a:pPr>
+            <a:r>
+              <a:rPr lang="pt-PT" sz="2200" dirty="0" err="1"/>
+              <a:t>Motivation</a:t>
+            </a:r>
+            <a:endParaRPr lang="pt-PT" sz="2200" dirty="0"/>
+          </a:p>
+          <a:p>
+            <a:pPr marL="578358" indent="-514350">
+              <a:buFont typeface="+mj-lt"/>
+              <a:buAutoNum type="arabicPeriod"/>
+            </a:pPr>
+            <a:r>
+              <a:rPr lang="pt-PT" sz="2200" dirty="0" err="1"/>
+              <a:t>Techologies</a:t>
+            </a:r>
+            <a:endParaRPr lang="pt-PT" sz="2200" dirty="0"/>
+          </a:p>
+          <a:p>
+            <a:pPr marL="578358" indent="-514350">
+              <a:buFont typeface="+mj-lt"/>
+              <a:buAutoNum type="arabicPeriod"/>
+            </a:pPr>
+            <a:r>
+              <a:rPr lang="pt-PT" sz="2200" dirty="0" err="1"/>
+              <a:t>EnteroBase</a:t>
+            </a:r>
+            <a:endParaRPr lang="pt-PT" sz="2200" dirty="0"/>
+          </a:p>
+          <a:p>
+            <a:pPr marL="578358" indent="-514350">
+              <a:buFont typeface="+mj-lt"/>
+              <a:buAutoNum type="arabicPeriod"/>
+            </a:pPr>
+            <a:r>
+              <a:rPr lang="pt-PT" sz="2200" dirty="0" err="1"/>
+              <a:t>Example</a:t>
+            </a:r>
+            <a:r>
+              <a:rPr lang="pt-PT" sz="2200" dirty="0"/>
+              <a:t> </a:t>
+            </a:r>
+            <a:r>
+              <a:rPr lang="pt-PT" sz="2200" dirty="0" err="1"/>
+              <a:t>with</a:t>
+            </a:r>
+            <a:r>
+              <a:rPr lang="pt-PT" sz="2200" dirty="0"/>
+              <a:t> </a:t>
+            </a:r>
+            <a:r>
+              <a:rPr lang="pt-PT" sz="2200" dirty="0" err="1"/>
+              <a:t>python</a:t>
+            </a:r>
+            <a:endParaRPr lang="pt-PT" sz="2200" dirty="0"/>
+          </a:p>
+          <a:p>
+            <a:pPr marL="578358" indent="-514350">
+              <a:buFont typeface="+mj-lt"/>
+              <a:buAutoNum type="arabicPeriod"/>
+            </a:pPr>
+            <a:r>
+              <a:rPr lang="pt-PT" sz="2200" dirty="0" err="1"/>
+              <a:t>Timeline</a:t>
+            </a:r>
+            <a:endParaRPr lang="pt-PT" sz="2200" dirty="0"/>
+          </a:p>
+          <a:p>
+            <a:pPr marL="578358" indent="-514350">
+              <a:buFont typeface="+mj-lt"/>
+              <a:buAutoNum type="arabicPeriod"/>
+            </a:pPr>
+            <a:r>
+              <a:rPr lang="pt-PT" sz="2200" dirty="0"/>
+              <a:t>Future </a:t>
+            </a:r>
+            <a:r>
+              <a:rPr lang="pt-PT" sz="2200" dirty="0" err="1"/>
+              <a:t>work</a:t>
+            </a:r>
+            <a:endParaRPr lang="pt-PT" sz="2200" dirty="0"/>
           </a:p>
           <a:p>
             <a:pPr marL="578358" indent="-514350">
@@ -7231,9 +7457,10 @@
               </a:lnSpc>
             </a:pPr>
             <a:r>
-              <a:rPr lang="pt-PT" sz="3100" dirty="0"/>
-              <a:t>Problems</a:t>
-            </a:r>
+              <a:rPr lang="pt-PT" sz="3100" dirty="0" err="1"/>
+              <a:t>Problem</a:t>
+            </a:r>
+            <a:endParaRPr lang="pt-PT" sz="3100" dirty="0"/>
           </a:p>
         </p:txBody>
       </p:sp>
@@ -7387,8 +7614,8 @@
         </p:nvSpPr>
         <p:spPr>
           <a:xfrm>
-            <a:off x="609600" y="2489604"/>
-            <a:ext cx="9710056" cy="1323439"/>
+            <a:off x="622300" y="4147300"/>
+            <a:ext cx="9710056" cy="707886"/>
           </a:xfrm>
           <a:prstGeom prst="rect">
             <a:avLst/>
@@ -7415,9 +7642,38 @@
                 </a:solidFill>
                 <a:latin typeface="Corbel" panose="020B0503020204020204" pitchFamily="34" charset="0"/>
               </a:rPr>
-              <a:t>Study and discover different bioinformatics algorithms </a:t>
-            </a:r>
-          </a:p>
+              <a:t>Discover which one presents the best results, by doing analysis of each of the different algorithms.</a:t>
+            </a:r>
+          </a:p>
+        </p:txBody>
+      </p:sp>
+      <p:sp>
+        <p:nvSpPr>
+          <p:cNvPr id="4" name="CaixaDeTexto 3">
+            <a:extLst>
+              <a:ext uri="{FF2B5EF4-FFF2-40B4-BE49-F238E27FC236}">
+                <a16:creationId xmlns:a16="http://schemas.microsoft.com/office/drawing/2014/main" id="{6B7FBF3F-DA2D-75B9-4AF3-3D9483A65F33}"/>
+              </a:ext>
+            </a:extLst>
+          </p:cNvPr>
+          <p:cNvSpPr txBox="1"/>
+          <p:nvPr/>
+        </p:nvSpPr>
+        <p:spPr>
+          <a:xfrm>
+            <a:off x="609600" y="2054419"/>
+            <a:ext cx="9710056" cy="2092881"/>
+          </a:xfrm>
+          <a:prstGeom prst="rect">
+            <a:avLst/>
+          </a:prstGeom>
+          <a:noFill/>
+        </p:spPr>
+        <p:txBody>
+          <a:bodyPr wrap="square" rtlCol="0">
+            <a:spAutoFit/>
+          </a:bodyPr>
+          <a:lstStyle/>
           <a:p>
             <a:pPr marL="342900" indent="-342900" algn="just">
               <a:spcAft>
@@ -7426,15 +7682,90 @@
               <a:buFont typeface="Wingdings" panose="05000000000000000000" pitchFamily="2" charset="2"/>
               <a:buChar char="v"/>
             </a:pPr>
-            <a:endParaRPr lang="en-US" sz="2000" dirty="0">
-              <a:solidFill>
-                <a:schemeClr val="bg1"/>
-              </a:solidFill>
-              <a:latin typeface="Corbel" panose="020B0503020204020204" pitchFamily="34" charset="0"/>
-            </a:endParaRPr>
-          </a:p>
-          <a:p>
-            <a:pPr marL="342900" indent="-342900" algn="just">
+            <a:r>
+              <a:rPr lang="en-US" sz="2000" dirty="0">
+                <a:solidFill>
+                  <a:schemeClr val="bg1"/>
+                </a:solidFill>
+                <a:latin typeface="Corbel" panose="020B0503020204020204" pitchFamily="34" charset="0"/>
+              </a:rPr>
+              <a:t>Giving a database(example: </a:t>
+            </a:r>
+            <a:r>
+              <a:rPr lang="en-US" sz="2000" b="1" i="1" dirty="0" err="1">
+                <a:solidFill>
+                  <a:schemeClr val="bg1"/>
+                </a:solidFill>
+                <a:latin typeface="Corbel" panose="020B0503020204020204" pitchFamily="34" charset="0"/>
+              </a:rPr>
+              <a:t>EnteroBase</a:t>
+            </a:r>
+            <a:r>
+              <a:rPr lang="en-US" sz="2000" b="1" i="1" dirty="0">
+                <a:solidFill>
+                  <a:schemeClr val="bg1"/>
+                </a:solidFill>
+                <a:latin typeface="Corbel" panose="020B0503020204020204" pitchFamily="34" charset="0"/>
+              </a:rPr>
+              <a:t>, </a:t>
+            </a:r>
+            <a:r>
+              <a:rPr lang="en-US" sz="2000" b="1" i="1" dirty="0" err="1">
+                <a:solidFill>
+                  <a:schemeClr val="bg1"/>
+                </a:solidFill>
+                <a:latin typeface="Corbel" panose="020B0503020204020204" pitchFamily="34" charset="0"/>
+              </a:rPr>
+              <a:t>PubMSLT</a:t>
+            </a:r>
+            <a:r>
+              <a:rPr lang="en-US" sz="2000" dirty="0">
+                <a:solidFill>
+                  <a:schemeClr val="bg1"/>
+                </a:solidFill>
+                <a:latin typeface="Corbel" panose="020B0503020204020204" pitchFamily="34" charset="0"/>
+              </a:rPr>
+              <a:t>) with a dataset provided, use different bioinformatics algorithms and compare results.</a:t>
+            </a:r>
+          </a:p>
+          <a:p>
+            <a:pPr marL="800100" lvl="1" indent="-342900" algn="just">
+              <a:spcAft>
+                <a:spcPts val="1200"/>
+              </a:spcAft>
+              <a:buFont typeface="Wingdings" panose="05000000000000000000" pitchFamily="2" charset="2"/>
+              <a:buChar char="v"/>
+            </a:pPr>
+            <a:r>
+              <a:rPr lang="en-US" sz="2000" dirty="0">
+                <a:solidFill>
+                  <a:schemeClr val="bg1"/>
+                </a:solidFill>
+                <a:latin typeface="Corbel" panose="020B0503020204020204" pitchFamily="34" charset="0"/>
+              </a:rPr>
+              <a:t>Tree algorithms,</a:t>
+            </a:r>
+          </a:p>
+          <a:p>
+            <a:pPr marL="800100" lvl="1" indent="-342900" algn="just">
+              <a:spcAft>
+                <a:spcPts val="1200"/>
+              </a:spcAft>
+              <a:buFont typeface="Wingdings" panose="05000000000000000000" pitchFamily="2" charset="2"/>
+              <a:buChar char="v"/>
+            </a:pPr>
+            <a:r>
+              <a:rPr lang="en-US" sz="2000" dirty="0">
+                <a:solidFill>
+                  <a:schemeClr val="bg1"/>
+                </a:solidFill>
+                <a:latin typeface="Corbel" panose="020B0503020204020204" pitchFamily="34" charset="0"/>
+              </a:rPr>
+              <a:t>Metrics algorithms.</a:t>
+            </a:r>
+          </a:p>
+          <a:p>
+            <a:pPr marL="800100" lvl="1" indent="-342900" algn="just">
               <a:spcAft>
                 <a:spcPts val="1200"/>
               </a:spcAft>
@@ -7673,10 +8004,10 @@
       </p:sp>
       <p:sp>
         <p:nvSpPr>
-          <p:cNvPr id="10" name="CaixaDeTexto 9">
-            <a:extLst>
-              <a:ext uri="{FF2B5EF4-FFF2-40B4-BE49-F238E27FC236}">
-                <a16:creationId xmlns:a16="http://schemas.microsoft.com/office/drawing/2014/main" id="{B7A42DF4-8631-4525-A359-7333761D7A8A}"/>
+          <p:cNvPr id="3" name="CaixaDeTexto 2">
+            <a:extLst>
+              <a:ext uri="{FF2B5EF4-FFF2-40B4-BE49-F238E27FC236}">
+                <a16:creationId xmlns:a16="http://schemas.microsoft.com/office/drawing/2014/main" id="{3C626E8D-3303-7522-D464-DEDA4A3E0D5C}"/>
               </a:ext>
             </a:extLst>
           </p:cNvPr>
@@ -7685,8 +8016,8 @@
         </p:nvSpPr>
         <p:spPr>
           <a:xfrm>
-            <a:off x="609600" y="2489604"/>
-            <a:ext cx="9710056" cy="1323439"/>
+            <a:off x="530942" y="2201800"/>
+            <a:ext cx="9710056" cy="707886"/>
           </a:xfrm>
           <a:prstGeom prst="rect">
             <a:avLst/>
@@ -7711,11 +8042,45 @@
                 <a:solidFill>
                   <a:schemeClr val="bg1"/>
                 </a:solidFill>
-                <a:latin typeface="Corbel" panose="020B0503020204020204" pitchFamily="34" charset="0"/>
               </a:rPr>
-              <a:t>We</a:t>
-            </a:r>
-          </a:p>
+              <a:t>The desire to discover and learn more about the field of bioinformatics, its uses in different aspects</a:t>
+            </a:r>
+            <a:endParaRPr lang="en-US" sz="2000" dirty="0">
+              <a:solidFill>
+                <a:schemeClr val="bg1"/>
+              </a:solidFill>
+              <a:latin typeface="Corbel" panose="020B0503020204020204" pitchFamily="34" charset="0"/>
+            </a:endParaRPr>
+          </a:p>
+        </p:txBody>
+      </p:sp>
+      <p:sp>
+        <p:nvSpPr>
+          <p:cNvPr id="4" name="CaixaDeTexto 3">
+            <a:extLst>
+              <a:ext uri="{FF2B5EF4-FFF2-40B4-BE49-F238E27FC236}">
+                <a16:creationId xmlns:a16="http://schemas.microsoft.com/office/drawing/2014/main" id="{547DB73A-5488-CDD4-1F9A-4DE03C26C29B}"/>
+              </a:ext>
+            </a:extLst>
+          </p:cNvPr>
+          <p:cNvSpPr txBox="1"/>
+          <p:nvPr/>
+        </p:nvSpPr>
+        <p:spPr>
+          <a:xfrm>
+            <a:off x="530942" y="3758642"/>
+            <a:ext cx="9710056" cy="707886"/>
+          </a:xfrm>
+          <a:prstGeom prst="rect">
+            <a:avLst/>
+          </a:prstGeom>
+          <a:noFill/>
+        </p:spPr>
+        <p:txBody>
+          <a:bodyPr wrap="square" rtlCol="0">
+            <a:spAutoFit/>
+          </a:bodyPr>
+          <a:lstStyle/>
           <a:p>
             <a:pPr marL="342900" indent="-342900" algn="just">
               <a:spcAft>
@@ -7724,21 +8089,14 @@
               <a:buFont typeface="Wingdings" panose="05000000000000000000" pitchFamily="2" charset="2"/>
               <a:buChar char="v"/>
             </a:pPr>
-            <a:endParaRPr lang="en-US" sz="2000" dirty="0">
-              <a:solidFill>
-                <a:schemeClr val="bg1"/>
-              </a:solidFill>
-              <a:latin typeface="Corbel" panose="020B0503020204020204" pitchFamily="34" charset="0"/>
-            </a:endParaRPr>
-          </a:p>
-          <a:p>
-            <a:pPr marL="342900" indent="-342900" algn="just">
-              <a:spcAft>
-                <a:spcPts val="1200"/>
-              </a:spcAft>
-              <a:buFont typeface="Wingdings" panose="05000000000000000000" pitchFamily="2" charset="2"/>
-              <a:buChar char="v"/>
-            </a:pPr>
+            <a:r>
+              <a:rPr lang="en-US" sz="2000" dirty="0">
+                <a:solidFill>
+                  <a:schemeClr val="bg1"/>
+                </a:solidFill>
+              </a:rPr>
+              <a:t>It is an area that is growing. However, from my knowledge, it is not often discussed or mentioned</a:t>
+            </a:r>
             <a:endParaRPr lang="en-US" sz="2000" dirty="0">
               <a:solidFill>
                 <a:schemeClr val="bg1"/>
@@ -7997,7 +8355,7 @@
         </p:blipFill>
         <p:spPr>
           <a:xfrm>
-            <a:off x="7404928" y="2801146"/>
+            <a:off x="7066600" y="4230856"/>
             <a:ext cx="1400395" cy="1330375"/>
           </a:xfrm>
           <a:prstGeom prst="rect">
@@ -8019,7 +8377,7 @@
         </p:nvSpPr>
         <p:spPr>
           <a:xfrm>
-            <a:off x="8894502" y="3281667"/>
+            <a:off x="8556174" y="4711377"/>
             <a:ext cx="1108247" cy="369332"/>
           </a:xfrm>
           <a:prstGeom prst="rect">
@@ -8153,7 +8511,7 @@
         </p:blipFill>
         <p:spPr>
           <a:xfrm>
-            <a:off x="1932432" y="3921435"/>
+            <a:off x="1741652" y="3968070"/>
             <a:ext cx="2019704" cy="1855945"/>
           </a:xfrm>
           <a:prstGeom prst="rect">
@@ -8175,7 +8533,7 @@
         </p:nvSpPr>
         <p:spPr>
           <a:xfrm>
-            <a:off x="3952136" y="4664741"/>
+            <a:off x="3813048" y="4646453"/>
             <a:ext cx="2019704" cy="369332"/>
           </a:xfrm>
           <a:prstGeom prst="rect">
@@ -8208,6 +8566,86 @@
           </a:p>
         </p:txBody>
       </p:sp>
+      <p:sp>
+        <p:nvSpPr>
+          <p:cNvPr id="13" name="CaixaDeTexto 12">
+            <a:extLst>
+              <a:ext uri="{FF2B5EF4-FFF2-40B4-BE49-F238E27FC236}">
+                <a16:creationId xmlns:a16="http://schemas.microsoft.com/office/drawing/2014/main" id="{C300A475-0364-9DE6-D7F5-F7528321A160}"/>
+              </a:ext>
+            </a:extLst>
+          </p:cNvPr>
+          <p:cNvSpPr txBox="1"/>
+          <p:nvPr/>
+        </p:nvSpPr>
+        <p:spPr>
+          <a:xfrm>
+            <a:off x="8964905" y="2345972"/>
+            <a:ext cx="1399032" cy="369332"/>
+          </a:xfrm>
+          <a:prstGeom prst="rect">
+            <a:avLst/>
+          </a:prstGeom>
+          <a:noFill/>
+        </p:spPr>
+        <p:txBody>
+          <a:bodyPr wrap="square" rtlCol="0">
+            <a:spAutoFit/>
+          </a:bodyPr>
+          <a:lstStyle/>
+          <a:p>
+            <a:r>
+              <a:rPr lang="pt-PT" i="1" dirty="0" err="1">
+                <a:solidFill>
+                  <a:schemeClr val="bg1"/>
+                </a:solidFill>
+              </a:rPr>
+              <a:t>EnteroBase</a:t>
+            </a:r>
+            <a:endParaRPr lang="pt-PT" i="1" dirty="0">
+              <a:solidFill>
+                <a:schemeClr val="bg1"/>
+              </a:solidFill>
+            </a:endParaRPr>
+          </a:p>
+        </p:txBody>
+      </p:sp>
+      <p:pic>
+        <p:nvPicPr>
+          <p:cNvPr id="16" name="Imagem 15" descr="Uma imagem com design&#10;&#10;Descrição gerada automaticamente com confiança baixa">
+            <a:extLst>
+              <a:ext uri="{FF2B5EF4-FFF2-40B4-BE49-F238E27FC236}">
+                <a16:creationId xmlns:a16="http://schemas.microsoft.com/office/drawing/2014/main" id="{3AA19A97-DD09-72ED-967C-6317C6B0EE82}"/>
+              </a:ext>
+            </a:extLst>
+          </p:cNvPr>
+          <p:cNvPicPr>
+            <a:picLocks noChangeAspect="1"/>
+          </p:cNvPicPr>
+          <p:nvPr/>
+        </p:nvPicPr>
+        <p:blipFill>
+          <a:blip r:embed="rId7">
+            <a:extLst>
+              <a:ext uri="{28A0092B-C50C-407E-A947-70E740481C1C}">
+                <a14:useLocalDpi xmlns:a14="http://schemas.microsoft.com/office/drawing/2010/main" val="0"/>
+              </a:ext>
+            </a:extLst>
+          </a:blip>
+          <a:stretch>
+            <a:fillRect/>
+          </a:stretch>
+        </p:blipFill>
+        <p:spPr>
+          <a:xfrm>
+            <a:off x="6633922" y="1826514"/>
+            <a:ext cx="2265750" cy="1956098"/>
+          </a:xfrm>
+          <a:prstGeom prst="rect">
+            <a:avLst/>
+          </a:prstGeom>
+        </p:spPr>
+      </p:pic>
     </p:spTree>
     <p:extLst>
       <p:ext uri="{BB962C8B-B14F-4D97-AF65-F5344CB8AC3E}">
@@ -8238,255 +8676,296 @@
           <a:chExt cx="0" cy="0"/>
         </a:xfrm>
       </p:grpSpPr>
-      <p:cxnSp>
-        <p:nvCxnSpPr>
-          <p:cNvPr id="9" name="Conexão reta unidirecional 8">
-            <a:extLst>
-              <a:ext uri="{FF2B5EF4-FFF2-40B4-BE49-F238E27FC236}">
-                <a16:creationId xmlns:a16="http://schemas.microsoft.com/office/drawing/2014/main" id="{8AE9B84A-52E1-4CC4-B156-BB686BA3A78B}"/>
-              </a:ext>
-            </a:extLst>
-          </p:cNvPr>
-          <p:cNvCxnSpPr>
-            <a:cxnSpLocks/>
-            <a:endCxn id="4" idx="0"/>
-          </p:cNvCxnSpPr>
+      <p:sp>
+        <p:nvSpPr>
+          <p:cNvPr id="2" name="Título 1">
+            <a:extLst>
+              <a:ext uri="{FF2B5EF4-FFF2-40B4-BE49-F238E27FC236}">
+                <a16:creationId xmlns:a16="http://schemas.microsoft.com/office/drawing/2014/main" id="{8326B84D-EC85-1636-8DF5-DFF010785B9E}"/>
+              </a:ext>
+            </a:extLst>
+          </p:cNvPr>
+          <p:cNvSpPr>
+            <a:spLocks noGrp="1"/>
+          </p:cNvSpPr>
+          <p:nvPr>
+            <p:ph type="title"/>
+          </p:nvPr>
+        </p:nvSpPr>
+        <p:spPr>
+          <a:xfrm>
+            <a:off x="353568" y="591010"/>
+            <a:ext cx="6184899" cy="675926"/>
+          </a:xfrm>
+        </p:spPr>
+        <p:txBody>
+          <a:bodyPr anchor="ctr">
+            <a:normAutofit/>
+          </a:bodyPr>
+          <a:lstStyle/>
+          <a:p>
+            <a:pPr>
+              <a:lnSpc>
+                <a:spcPct val="90000"/>
+              </a:lnSpc>
+            </a:pPr>
+            <a:r>
+              <a:rPr lang="pt-PT" dirty="0" err="1"/>
+              <a:t>EnteroBase</a:t>
+            </a:r>
+            <a:endParaRPr lang="pt-PT" dirty="0"/>
+          </a:p>
+        </p:txBody>
+      </p:sp>
+      <p:pic>
+        <p:nvPicPr>
+          <p:cNvPr id="6" name="Marcador de Posição de Conteúdo 5" descr="Uma imagem com texto, captura de ecrã, recife, design gráfico&#10;&#10;Descrição gerada automaticamente">
+            <a:extLst>
+              <a:ext uri="{FF2B5EF4-FFF2-40B4-BE49-F238E27FC236}">
+                <a16:creationId xmlns:a16="http://schemas.microsoft.com/office/drawing/2014/main" id="{72F35845-BBA1-3D11-F05D-0B75E94F0CCB}"/>
+              </a:ext>
+            </a:extLst>
+          </p:cNvPr>
+          <p:cNvPicPr>
+            <a:picLocks noGrp="1" noChangeAspect="1"/>
+          </p:cNvPicPr>
+          <p:nvPr>
+            <p:ph sz="half" idx="1"/>
+          </p:nvPr>
+        </p:nvPicPr>
+        <p:blipFill>
+          <a:blip r:embed="rId2"/>
+          <a:stretch>
+            <a:fillRect/>
+          </a:stretch>
+        </p:blipFill>
+        <p:spPr>
+          <a:xfrm>
+            <a:off x="353568" y="1767492"/>
+            <a:ext cx="5384800" cy="4307839"/>
+          </a:xfrm>
+          <a:noFill/>
+        </p:spPr>
+      </p:pic>
+      <p:sp>
+        <p:nvSpPr>
+          <p:cNvPr id="3" name="Marcador de Posição do Número do Diapositivo 2">
+            <a:extLst>
+              <a:ext uri="{FF2B5EF4-FFF2-40B4-BE49-F238E27FC236}">
+                <a16:creationId xmlns:a16="http://schemas.microsoft.com/office/drawing/2014/main" id="{9E3F3A26-CD94-F2E9-68D9-46DE7A55F3DA}"/>
+              </a:ext>
+            </a:extLst>
+          </p:cNvPr>
+          <p:cNvSpPr>
+            <a:spLocks noGrp="1"/>
+          </p:cNvSpPr>
+          <p:nvPr>
+            <p:ph type="sldNum" sz="quarter" idx="12"/>
+          </p:nvPr>
+        </p:nvSpPr>
+        <p:spPr>
+          <a:xfrm>
+            <a:off x="10906760" y="173195"/>
+            <a:ext cx="670560" cy="301752"/>
+          </a:xfrm>
+        </p:spPr>
+        <p:txBody>
+          <a:bodyPr anchor="b">
+            <a:normAutofit/>
+          </a:bodyPr>
+          <a:lstStyle/>
+          <a:p>
+            <a:pPr>
+              <a:spcAft>
+                <a:spcPts val="600"/>
+              </a:spcAft>
+            </a:pPr>
+            <a:fld id="{49598980-D22C-4904-9F8F-3DB09B2ECD84}" type="slidenum">
+              <a:rPr lang="en-US" smtClean="0"/>
+              <a:pPr>
+                <a:spcAft>
+                  <a:spcPts val="600"/>
+                </a:spcAft>
+              </a:pPr>
+              <a:t>6</a:t>
+            </a:fld>
+            <a:endParaRPr lang="en-US"/>
+          </a:p>
+        </p:txBody>
+      </p:sp>
+      <p:sp>
+        <p:nvSpPr>
+          <p:cNvPr id="8" name="CaixaDeTexto 7">
+            <a:extLst>
+              <a:ext uri="{FF2B5EF4-FFF2-40B4-BE49-F238E27FC236}">
+                <a16:creationId xmlns:a16="http://schemas.microsoft.com/office/drawing/2014/main" id="{138E5B13-A936-8A02-D6DC-9F1F911EA351}"/>
+              </a:ext>
+            </a:extLst>
+          </p:cNvPr>
+          <p:cNvSpPr txBox="1"/>
           <p:nvPr/>
-        </p:nvCxnSpPr>
+        </p:nvSpPr>
         <p:spPr>
-          <a:xfrm flipH="1">
-            <a:off x="3401036" y="3550311"/>
-            <a:ext cx="3418522" cy="782167"/>
+          <a:xfrm>
+            <a:off x="353568" y="1266936"/>
+            <a:ext cx="9710056" cy="1323439"/>
           </a:xfrm>
-          <a:prstGeom prst="straightConnector1">
+          <a:prstGeom prst="rect">
             <a:avLst/>
           </a:prstGeom>
-          <a:ln w="38100">
+          <a:noFill/>
+        </p:spPr>
+        <p:txBody>
+          <a:bodyPr wrap="square" rtlCol="0">
+            <a:spAutoFit/>
+          </a:bodyPr>
+          <a:lstStyle/>
+          <a:p>
+            <a:pPr marL="342900" indent="-342900" algn="just">
+              <a:spcAft>
+                <a:spcPts val="1200"/>
+              </a:spcAft>
+              <a:buFont typeface="Wingdings" panose="05000000000000000000" pitchFamily="2" charset="2"/>
+              <a:buChar char="v"/>
+            </a:pPr>
+            <a:r>
+              <a:rPr lang="en-US" sz="2000" dirty="0">
+                <a:solidFill>
+                  <a:schemeClr val="bg1"/>
+                </a:solidFill>
+              </a:rPr>
+              <a:t>Analyzing and visualizing genomic variation within enteric bacteria</a:t>
+            </a:r>
+            <a:r>
+              <a:rPr lang="en-US" sz="2000" dirty="0">
+                <a:solidFill>
+                  <a:schemeClr val="bg1"/>
+                </a:solidFill>
+                <a:latin typeface="Corbel" panose="020B0503020204020204" pitchFamily="34" charset="0"/>
+              </a:rPr>
+              <a:t> </a:t>
+            </a:r>
+          </a:p>
+          <a:p>
+            <a:pPr marL="342900" indent="-342900" algn="just">
+              <a:spcAft>
+                <a:spcPts val="1200"/>
+              </a:spcAft>
+              <a:buFont typeface="Wingdings" panose="05000000000000000000" pitchFamily="2" charset="2"/>
+              <a:buChar char="v"/>
+            </a:pPr>
+            <a:endParaRPr lang="en-US" sz="2000" dirty="0">
+              <a:solidFill>
+                <a:schemeClr val="bg1"/>
+              </a:solidFill>
+              <a:latin typeface="Corbel" panose="020B0503020204020204" pitchFamily="34" charset="0"/>
+            </a:endParaRPr>
+          </a:p>
+          <a:p>
+            <a:pPr marL="342900" indent="-342900" algn="just">
+              <a:spcAft>
+                <a:spcPts val="1200"/>
+              </a:spcAft>
+              <a:buFont typeface="Wingdings" panose="05000000000000000000" pitchFamily="2" charset="2"/>
+              <a:buChar char="v"/>
+            </a:pPr>
+            <a:endParaRPr lang="en-US" sz="2000" dirty="0">
+              <a:solidFill>
+                <a:schemeClr val="bg1"/>
+              </a:solidFill>
+              <a:latin typeface="Corbel" panose="020B0503020204020204" pitchFamily="34" charset="0"/>
+            </a:endParaRPr>
+          </a:p>
+        </p:txBody>
+      </p:sp>
+      <p:sp>
+        <p:nvSpPr>
+          <p:cNvPr id="10" name="Retângulo 9">
+            <a:extLst>
+              <a:ext uri="{FF2B5EF4-FFF2-40B4-BE49-F238E27FC236}">
+                <a16:creationId xmlns:a16="http://schemas.microsoft.com/office/drawing/2014/main" id="{744649FA-94AF-5496-F03B-97045FC53346}"/>
+              </a:ext>
+            </a:extLst>
+          </p:cNvPr>
+          <p:cNvSpPr/>
+          <p:nvPr/>
+        </p:nvSpPr>
+        <p:spPr>
+          <a:xfrm>
+            <a:off x="3895344" y="3275445"/>
+            <a:ext cx="1719072" cy="1406283"/>
+          </a:xfrm>
+          <a:prstGeom prst="rect">
+            <a:avLst/>
+          </a:prstGeom>
+          <a:noFill/>
+          <a:ln>
             <a:solidFill>
-              <a:schemeClr val="accent1"/>
+              <a:schemeClr val="accent6">
+                <a:lumMod val="75000"/>
+              </a:schemeClr>
             </a:solidFill>
-            <a:tailEnd type="triangle"/>
           </a:ln>
-          <a:effectLst>
-            <a:outerShdw blurRad="50800" dist="38100" dir="2700000" algn="tl" rotWithShape="0">
-              <a:prstClr val="black">
-                <a:alpha val="40000"/>
-              </a:prstClr>
-            </a:outerShdw>
-          </a:effectLst>
         </p:spPr>
         <p:style>
-          <a:lnRef idx="1">
+          <a:lnRef idx="2">
             <a:schemeClr val="dk1"/>
           </a:lnRef>
-          <a:fillRef idx="0">
-            <a:schemeClr val="dk1"/>
+          <a:fillRef idx="1">
+            <a:schemeClr val="lt1"/>
           </a:fillRef>
           <a:effectRef idx="0">
             <a:schemeClr val="dk1"/>
           </a:effectRef>
           <a:fontRef idx="minor">
-            <a:schemeClr val="tx1"/>
+            <a:schemeClr val="dk1"/>
           </a:fontRef>
         </p:style>
-      </p:cxnSp>
-      <p:sp>
-        <p:nvSpPr>
-          <p:cNvPr id="6" name="Slide Number Placeholder 5">
-            <a:extLst>
-              <a:ext uri="{FF2B5EF4-FFF2-40B4-BE49-F238E27FC236}">
-                <a16:creationId xmlns:a16="http://schemas.microsoft.com/office/drawing/2014/main" id="{F2040447-BBDA-4C18-B81B-B5DA1D4FA85B}"/>
-              </a:ext>
-            </a:extLst>
-          </p:cNvPr>
-          <p:cNvSpPr>
-            <a:spLocks noGrp="1"/>
-          </p:cNvSpPr>
-          <p:nvPr>
-            <p:ph type="sldNum" sz="quarter" idx="11"/>
-          </p:nvPr>
-        </p:nvSpPr>
-        <p:spPr/>
-        <p:txBody>
-          <a:bodyPr/>
+        <p:txBody>
+          <a:bodyPr rtlCol="0" anchor="ctr"/>
           <a:lstStyle/>
           <a:p>
-            <a:fld id="{FEA1243F-3000-4347-94A4-FBDEAD3122CB}" type="slidenum">
-              <a:rPr lang="en-US">
-                <a:solidFill>
-                  <a:srgbClr val="262626"/>
-                </a:solidFill>
-                <a:latin typeface="Arial"/>
-              </a:rPr>
-              <a:pPr/>
-              <a:t>6</a:t>
-            </a:fld>
-            <a:endParaRPr lang="en-US" dirty="0">
-              <a:solidFill>
-                <a:srgbClr val="262626"/>
-              </a:solidFill>
-              <a:latin typeface="Arial"/>
-            </a:endParaRPr>
+            <a:pPr algn="ctr"/>
+            <a:endParaRPr lang="pt-PT"/>
           </a:p>
         </p:txBody>
       </p:sp>
       <p:pic>
         <p:nvPicPr>
-          <p:cNvPr id="7" name="Picture 8" descr="logo-isel | InOut">
-            <a:extLst>
-              <a:ext uri="{FF2B5EF4-FFF2-40B4-BE49-F238E27FC236}">
-                <a16:creationId xmlns:a16="http://schemas.microsoft.com/office/drawing/2014/main" id="{F174BEE5-12F8-44C2-9A19-6998ED6B3AC8}"/>
+          <p:cNvPr id="13" name="Imagem 12">
+            <a:extLst>
+              <a:ext uri="{FF2B5EF4-FFF2-40B4-BE49-F238E27FC236}">
+                <a16:creationId xmlns:a16="http://schemas.microsoft.com/office/drawing/2014/main" id="{035ED4C8-A66F-82B1-79BD-5384EAA75835}"/>
               </a:ext>
             </a:extLst>
           </p:cNvPr>
           <p:cNvPicPr>
-            <a:picLocks noChangeAspect="1" noChangeArrowheads="1"/>
+            <a:picLocks noChangeAspect="1"/>
           </p:cNvPicPr>
           <p:nvPr/>
         </p:nvPicPr>
         <p:blipFill>
-          <a:blip r:embed="rId3">
-            <a:extLst>
-              <a:ext uri="{28A0092B-C50C-407E-A947-70E740481C1C}">
-                <a14:useLocalDpi xmlns:a14="http://schemas.microsoft.com/office/drawing/2010/main" val="0"/>
-              </a:ext>
-            </a:extLst>
-          </a:blip>
-          <a:srcRect/>
+          <a:blip r:embed="rId3"/>
           <a:stretch>
             <a:fillRect/>
           </a:stretch>
         </p:blipFill>
-        <p:spPr bwMode="auto">
-          <a:xfrm>
-            <a:off x="9554011" y="0"/>
-            <a:ext cx="1194854" cy="719232"/>
-          </a:xfrm>
-          <a:prstGeom prst="rect">
-            <a:avLst/>
-          </a:prstGeom>
-          <a:noFill/>
-          <a:extLst>
-            <a:ext uri="{909E8E84-426E-40DD-AFC4-6F175D3DCCD1}">
-              <a14:hiddenFill xmlns:a14="http://schemas.microsoft.com/office/drawing/2010/main">
-                <a:solidFill>
-                  <a:srgbClr val="FFFFFF"/>
-                </a:solidFill>
-              </a14:hiddenFill>
-            </a:ext>
-          </a:extLst>
-        </p:spPr>
-      </p:pic>
-      <p:sp>
-        <p:nvSpPr>
-          <p:cNvPr id="12" name="Retângulo 11">
-            <a:extLst>
-              <a:ext uri="{FF2B5EF4-FFF2-40B4-BE49-F238E27FC236}">
-                <a16:creationId xmlns:a16="http://schemas.microsoft.com/office/drawing/2014/main" id="{3DB3AB42-FC6C-4F21-A609-FB8192C6CF8C}"/>
-              </a:ext>
-            </a:extLst>
-          </p:cNvPr>
-          <p:cNvSpPr/>
-          <p:nvPr/>
-        </p:nvSpPr>
         <p:spPr>
           <a:xfrm>
-            <a:off x="0" y="6457720"/>
-            <a:ext cx="12192000" cy="45719"/>
-          </a:xfrm>
-          <a:prstGeom prst="rect">
-            <a:avLst/>
-          </a:prstGeom>
-          <a:ln>
-            <a:noFill/>
-          </a:ln>
-        </p:spPr>
-        <p:style>
-          <a:lnRef idx="2">
-            <a:schemeClr val="accent1">
-              <a:shade val="50000"/>
-            </a:schemeClr>
-          </a:lnRef>
-          <a:fillRef idx="1">
-            <a:schemeClr val="accent1"/>
-          </a:fillRef>
-          <a:effectRef idx="0">
-            <a:schemeClr val="accent1"/>
-          </a:effectRef>
-          <a:fontRef idx="minor">
-            <a:schemeClr val="lt1"/>
-          </a:fontRef>
-        </p:style>
-        <p:txBody>
-          <a:bodyPr rtlCol="0" anchor="ctr"/>
-          <a:lstStyle/>
-          <a:p>
-            <a:pPr algn="ctr"/>
-            <a:endParaRPr lang="pt-PT" dirty="0"/>
-          </a:p>
-        </p:txBody>
-      </p:sp>
-      <p:sp>
-        <p:nvSpPr>
-          <p:cNvPr id="11" name="Rectangle 1">
-            <a:extLst>
-              <a:ext uri="{FF2B5EF4-FFF2-40B4-BE49-F238E27FC236}">
-                <a16:creationId xmlns:a16="http://schemas.microsoft.com/office/drawing/2014/main" id="{2FD89244-6BE1-4503-9923-5D761E925386}"/>
-              </a:ext>
-            </a:extLst>
-          </p:cNvPr>
-          <p:cNvSpPr txBox="1">
-            <a:spLocks/>
-          </p:cNvSpPr>
-          <p:nvPr/>
-        </p:nvSpPr>
-        <p:spPr>
-          <a:xfrm>
-            <a:off x="-78658" y="354561"/>
-            <a:ext cx="4279641" cy="1213627"/>
+            <a:off x="7394702" y="1606861"/>
+            <a:ext cx="4057650" cy="2371725"/>
           </a:xfrm>
           <a:prstGeom prst="rect">
             <a:avLst/>
           </a:prstGeom>
         </p:spPr>
-        <p:txBody>
-          <a:bodyPr vert="horz" lIns="0" rIns="0" anchor="ctr">
-            <a:noAutofit/>
-          </a:bodyPr>
-          <a:lstStyle>
-            <a:lvl1pPr marL="182880" algn="l" rtl="0" eaLnBrk="1" latinLnBrk="0" hangingPunct="1">
-              <a:spcBef>
-                <a:spcPct val="0"/>
-              </a:spcBef>
-              <a:buNone/>
-              <a:defRPr sz="4000" b="1" kern="1200">
-                <a:ln w="6350">
-                  <a:noFill/>
-                </a:ln>
-                <a:solidFill>
-                  <a:schemeClr val="accent1"/>
-                </a:solidFill>
-                <a:effectLst/>
-                <a:latin typeface="+mj-lt"/>
-                <a:ea typeface="+mj-ea"/>
-                <a:cs typeface="+mj-cs"/>
-              </a:defRPr>
-            </a:lvl1pPr>
-          </a:lstStyle>
-          <a:p>
-            <a:r>
-              <a:rPr lang="en-US" sz="3500" dirty="0"/>
-              <a:t>Version Control</a:t>
-            </a:r>
-          </a:p>
-        </p:txBody>
-      </p:sp>
+      </p:pic>
       <p:pic>
         <p:nvPicPr>
-          <p:cNvPr id="4" name="Imagem 3">
-            <a:extLst>
-              <a:ext uri="{FF2B5EF4-FFF2-40B4-BE49-F238E27FC236}">
-                <a16:creationId xmlns:a16="http://schemas.microsoft.com/office/drawing/2014/main" id="{A6A79CCA-403A-6561-2010-B212365E47E8}"/>
+          <p:cNvPr id="21" name="Imagem 20">
+            <a:extLst>
+              <a:ext uri="{FF2B5EF4-FFF2-40B4-BE49-F238E27FC236}">
+                <a16:creationId xmlns:a16="http://schemas.microsoft.com/office/drawing/2014/main" id="{58C2809A-2BD4-9B0F-8077-CD46BFAB5D2E}"/>
               </a:ext>
             </a:extLst>
           </p:cNvPr>
@@ -8503,18 +8982,100 @@
         </p:blipFill>
         <p:spPr>
           <a:xfrm>
-            <a:off x="109196" y="4332478"/>
-            <a:ext cx="6583680" cy="1862433"/>
+            <a:off x="6453634" y="4042944"/>
+            <a:ext cx="5553456" cy="2416389"/>
           </a:xfrm>
           <a:prstGeom prst="rect">
             <a:avLst/>
           </a:prstGeom>
         </p:spPr>
       </p:pic>
+      <p:cxnSp>
+        <p:nvCxnSpPr>
+          <p:cNvPr id="23" name="Conexão reta unidirecional 22">
+            <a:extLst>
+              <a:ext uri="{FF2B5EF4-FFF2-40B4-BE49-F238E27FC236}">
+                <a16:creationId xmlns:a16="http://schemas.microsoft.com/office/drawing/2014/main" id="{3F1B1966-0C89-0433-51C3-77DA0D910315}"/>
+              </a:ext>
+            </a:extLst>
+          </p:cNvPr>
+          <p:cNvCxnSpPr>
+            <a:stCxn id="10" idx="3"/>
+          </p:cNvCxnSpPr>
+          <p:nvPr/>
+        </p:nvCxnSpPr>
+        <p:spPr>
+          <a:xfrm>
+            <a:off x="5614416" y="3978587"/>
+            <a:ext cx="924051" cy="776293"/>
+          </a:xfrm>
+          <a:prstGeom prst="straightConnector1">
+            <a:avLst/>
+          </a:prstGeom>
+          <a:ln>
+            <a:tailEnd type="triangle"/>
+          </a:ln>
+        </p:spPr>
+        <p:style>
+          <a:lnRef idx="2">
+            <a:schemeClr val="accent1"/>
+          </a:lnRef>
+          <a:fillRef idx="0">
+            <a:schemeClr val="accent1"/>
+          </a:fillRef>
+          <a:effectRef idx="1">
+            <a:schemeClr val="accent1"/>
+          </a:effectRef>
+          <a:fontRef idx="minor">
+            <a:schemeClr val="tx1"/>
+          </a:fontRef>
+        </p:style>
+      </p:cxnSp>
+      <p:cxnSp>
+        <p:nvCxnSpPr>
+          <p:cNvPr id="25" name="Conexão reta unidirecional 24">
+            <a:extLst>
+              <a:ext uri="{FF2B5EF4-FFF2-40B4-BE49-F238E27FC236}">
+                <a16:creationId xmlns:a16="http://schemas.microsoft.com/office/drawing/2014/main" id="{11535051-A30A-96BA-66F3-A30FD2A27601}"/>
+              </a:ext>
+            </a:extLst>
+          </p:cNvPr>
+          <p:cNvCxnSpPr>
+            <a:stCxn id="10" idx="3"/>
+          </p:cNvCxnSpPr>
+          <p:nvPr/>
+        </p:nvCxnSpPr>
+        <p:spPr>
+          <a:xfrm flipV="1">
+            <a:off x="5614416" y="2637021"/>
+            <a:ext cx="1780286" cy="1341566"/>
+          </a:xfrm>
+          <a:prstGeom prst="straightConnector1">
+            <a:avLst/>
+          </a:prstGeom>
+          <a:ln>
+            <a:tailEnd type="triangle"/>
+          </a:ln>
+        </p:spPr>
+        <p:style>
+          <a:lnRef idx="2">
+            <a:schemeClr val="accent1"/>
+          </a:lnRef>
+          <a:fillRef idx="0">
+            <a:schemeClr val="accent1"/>
+          </a:fillRef>
+          <a:effectRef idx="1">
+            <a:schemeClr val="accent1"/>
+          </a:effectRef>
+          <a:fontRef idx="minor">
+            <a:schemeClr val="tx1"/>
+          </a:fontRef>
+        </p:style>
+      </p:cxnSp>
     </p:spTree>
     <p:extLst>
       <p:ext uri="{BB962C8B-B14F-4D97-AF65-F5344CB8AC3E}">
-        <p14:creationId xmlns:p14="http://schemas.microsoft.com/office/powerpoint/2010/main" val="4084910368"/>
+        <p14:creationId xmlns:p14="http://schemas.microsoft.com/office/powerpoint/2010/main" val="761319906"/>
       </p:ext>
     </p:extLst>
   </p:cSld>
@@ -8546,7 +9107,7 @@
           <p:cNvPr id="2" name="Título 1">
             <a:extLst>
               <a:ext uri="{FF2B5EF4-FFF2-40B4-BE49-F238E27FC236}">
-                <a16:creationId xmlns:a16="http://schemas.microsoft.com/office/drawing/2014/main" id="{D50E1FAC-65D4-483D-B8EF-428D89DCCC57}"/>
+                <a16:creationId xmlns:a16="http://schemas.microsoft.com/office/drawing/2014/main" id="{7F376FEF-F286-BBDA-A6F7-D81056799B83}"/>
               </a:ext>
             </a:extLst>
           </p:cNvPr>
@@ -8559,74 +9120,268 @@
         </p:nvSpPr>
         <p:spPr>
           <a:xfrm>
-            <a:off x="609600" y="365395"/>
-            <a:ext cx="6502400" cy="799306"/>
+            <a:off x="265684" y="474947"/>
+            <a:ext cx="6184899" cy="675926"/>
           </a:xfrm>
         </p:spPr>
         <p:txBody>
-          <a:bodyPr anchor="ctr">
-            <a:normAutofit/>
+          <a:bodyPr/>
+          <a:lstStyle/>
+          <a:p>
+            <a:r>
+              <a:rPr lang="pt-PT" dirty="0" err="1"/>
+              <a:t>With</a:t>
+            </a:r>
+            <a:r>
+              <a:rPr lang="pt-PT" dirty="0"/>
+              <a:t> </a:t>
+            </a:r>
+            <a:r>
+              <a:rPr lang="pt-PT" dirty="0" err="1"/>
+              <a:t>python</a:t>
+            </a:r>
+            <a:r>
+              <a:rPr lang="pt-PT" dirty="0"/>
+              <a:t>…</a:t>
+            </a:r>
+          </a:p>
+        </p:txBody>
+      </p:sp>
+      <p:sp>
+        <p:nvSpPr>
+          <p:cNvPr id="3" name="Marcador de Posição do Número do Diapositivo 2">
+            <a:extLst>
+              <a:ext uri="{FF2B5EF4-FFF2-40B4-BE49-F238E27FC236}">
+                <a16:creationId xmlns:a16="http://schemas.microsoft.com/office/drawing/2014/main" id="{BDC06EFF-520B-2B09-C33D-3A636F3A4F7D}"/>
+              </a:ext>
+            </a:extLst>
+          </p:cNvPr>
+          <p:cNvSpPr>
+            <a:spLocks noGrp="1"/>
+          </p:cNvSpPr>
+          <p:nvPr>
+            <p:ph type="sldNum" sz="quarter" idx="11"/>
+          </p:nvPr>
+        </p:nvSpPr>
+        <p:spPr/>
+        <p:txBody>
+          <a:bodyPr/>
+          <a:lstStyle/>
+          <a:p>
+            <a:fld id="{49598980-D22C-4904-9F8F-3DB09B2ECD84}" type="slidenum">
+              <a:rPr lang="en-US" smtClean="0"/>
+              <a:pPr/>
+              <a:t>7</a:t>
+            </a:fld>
+            <a:endParaRPr lang="en-US" dirty="0"/>
+          </a:p>
+        </p:txBody>
+      </p:sp>
+      <p:sp>
+        <p:nvSpPr>
+          <p:cNvPr id="8" name="CaixaDeTexto 7">
+            <a:extLst>
+              <a:ext uri="{FF2B5EF4-FFF2-40B4-BE49-F238E27FC236}">
+                <a16:creationId xmlns:a16="http://schemas.microsoft.com/office/drawing/2014/main" id="{07A3088F-C90E-6E1F-7BEC-17A3886B1580}"/>
+              </a:ext>
+            </a:extLst>
+          </p:cNvPr>
+          <p:cNvSpPr txBox="1"/>
+          <p:nvPr/>
+        </p:nvSpPr>
+        <p:spPr>
+          <a:xfrm>
+            <a:off x="622300" y="1694076"/>
+            <a:ext cx="9710056" cy="1169551"/>
+          </a:xfrm>
+          <a:prstGeom prst="rect">
+            <a:avLst/>
+          </a:prstGeom>
+          <a:noFill/>
+        </p:spPr>
+        <p:txBody>
+          <a:bodyPr wrap="square" rtlCol="0">
+            <a:spAutoFit/>
           </a:bodyPr>
           <a:lstStyle/>
           <a:p>
-            <a:r>
-              <a:rPr lang="pt-PT" dirty="0" err="1"/>
-              <a:t>Timeline</a:t>
-            </a:r>
-            <a:endParaRPr lang="pt-PT" dirty="0"/>
-          </a:p>
-        </p:txBody>
-      </p:sp>
-      <p:sp>
-        <p:nvSpPr>
-          <p:cNvPr id="3" name="Marcador de Posição do Número do Diapositivo 2">
-            <a:extLst>
-              <a:ext uri="{FF2B5EF4-FFF2-40B4-BE49-F238E27FC236}">
-                <a16:creationId xmlns:a16="http://schemas.microsoft.com/office/drawing/2014/main" id="{DEC4F8A9-14BD-4EC5-A515-BDCB838B6EAF}"/>
-              </a:ext>
-            </a:extLst>
-          </p:cNvPr>
-          <p:cNvSpPr>
-            <a:spLocks noGrp="1"/>
-          </p:cNvSpPr>
-          <p:nvPr>
-            <p:ph type="sldNum" sz="quarter" idx="12"/>
-          </p:nvPr>
-        </p:nvSpPr>
+            <a:pPr marL="342900" indent="-342900" algn="just">
+              <a:spcAft>
+                <a:spcPts val="1200"/>
+              </a:spcAft>
+              <a:buFont typeface="Wingdings" panose="05000000000000000000" pitchFamily="2" charset="2"/>
+              <a:buChar char="v"/>
+            </a:pPr>
+            <a:r>
+              <a:rPr lang="en-US" sz="2000" dirty="0">
+                <a:solidFill>
+                  <a:schemeClr val="bg1"/>
+                </a:solidFill>
+                <a:latin typeface="Corbel" panose="020B0503020204020204" pitchFamily="34" charset="0"/>
+              </a:rPr>
+              <a:t>Using the </a:t>
+            </a:r>
+            <a:r>
+              <a:rPr lang="en-US" sz="2000" b="1" dirty="0" err="1">
+                <a:solidFill>
+                  <a:schemeClr val="bg1"/>
+                </a:solidFill>
+                <a:latin typeface="Corbel" panose="020B0503020204020204" pitchFamily="34" charset="0"/>
+              </a:rPr>
+              <a:t>Pylocluster</a:t>
+            </a:r>
+            <a:r>
+              <a:rPr lang="en-US" sz="2000" dirty="0">
+                <a:solidFill>
+                  <a:schemeClr val="bg1"/>
+                </a:solidFill>
+                <a:latin typeface="Corbel" panose="020B0503020204020204" pitchFamily="34" charset="0"/>
+              </a:rPr>
+              <a:t> library with the </a:t>
+            </a:r>
+            <a:r>
+              <a:rPr lang="en-US" sz="2000" b="1" dirty="0" err="1">
+                <a:solidFill>
+                  <a:schemeClr val="bg1"/>
+                </a:solidFill>
+                <a:latin typeface="Corbel" panose="020B0503020204020204" pitchFamily="34" charset="0"/>
+              </a:rPr>
+              <a:t>Newick</a:t>
+            </a:r>
+            <a:r>
+              <a:rPr lang="en-US" sz="2000" dirty="0">
+                <a:solidFill>
+                  <a:schemeClr val="bg1"/>
+                </a:solidFill>
+                <a:latin typeface="Corbel" panose="020B0503020204020204" pitchFamily="34" charset="0"/>
+              </a:rPr>
+              <a:t> package, we obtain the following example </a:t>
+            </a:r>
+          </a:p>
+          <a:p>
+            <a:pPr marL="342900" indent="-342900" algn="just">
+              <a:spcAft>
+                <a:spcPts val="1200"/>
+              </a:spcAft>
+              <a:buFont typeface="Wingdings" panose="05000000000000000000" pitchFamily="2" charset="2"/>
+              <a:buChar char="v"/>
+            </a:pPr>
+            <a:endParaRPr lang="en-US" sz="2000" dirty="0">
+              <a:solidFill>
+                <a:schemeClr val="bg1"/>
+              </a:solidFill>
+              <a:latin typeface="Corbel" panose="020B0503020204020204" pitchFamily="34" charset="0"/>
+            </a:endParaRPr>
+          </a:p>
+        </p:txBody>
+      </p:sp>
+      <p:pic>
+        <p:nvPicPr>
+          <p:cNvPr id="14" name="Imagem 13">
+            <a:extLst>
+              <a:ext uri="{FF2B5EF4-FFF2-40B4-BE49-F238E27FC236}">
+                <a16:creationId xmlns:a16="http://schemas.microsoft.com/office/drawing/2014/main" id="{50B17DD0-0803-B6A8-4D1E-AB6F15AFBF99}"/>
+              </a:ext>
+            </a:extLst>
+          </p:cNvPr>
+          <p:cNvPicPr>
+            <a:picLocks noChangeAspect="1"/>
+          </p:cNvPicPr>
+          <p:nvPr/>
+        </p:nvPicPr>
+        <p:blipFill>
+          <a:blip r:embed="rId2"/>
+          <a:stretch>
+            <a:fillRect/>
+          </a:stretch>
+        </p:blipFill>
         <p:spPr>
           <a:xfrm>
-            <a:off x="10911840" y="173195"/>
-            <a:ext cx="670560" cy="301752"/>
+            <a:off x="754633" y="2909338"/>
+            <a:ext cx="5695950" cy="1495425"/>
           </a:xfrm>
+          <a:prstGeom prst="rect">
+            <a:avLst/>
+          </a:prstGeom>
         </p:spPr>
-        <p:txBody>
-          <a:bodyPr anchor="b">
-            <a:normAutofit/>
-          </a:bodyPr>
-          <a:lstStyle/>
-          <a:p>
-            <a:pPr>
-              <a:spcAft>
-                <a:spcPts val="600"/>
-              </a:spcAft>
-            </a:pPr>
-            <a:fld id="{49598980-D22C-4904-9F8F-3DB09B2ECD84}" type="slidenum">
-              <a:rPr lang="en-US" smtClean="0"/>
-              <a:pPr>
-                <a:spcAft>
-                  <a:spcPts val="600"/>
-                </a:spcAft>
-              </a:pPr>
-              <a:t>7</a:t>
-            </a:fld>
-            <a:endParaRPr lang="en-US"/>
-          </a:p>
-        </p:txBody>
-      </p:sp>
+      </p:pic>
+      <p:pic>
+        <p:nvPicPr>
+          <p:cNvPr id="16" name="Imagem 15">
+            <a:extLst>
+              <a:ext uri="{FF2B5EF4-FFF2-40B4-BE49-F238E27FC236}">
+                <a16:creationId xmlns:a16="http://schemas.microsoft.com/office/drawing/2014/main" id="{82D5077E-9B55-C40E-8BA7-93DA9A585BB3}"/>
+              </a:ext>
+            </a:extLst>
+          </p:cNvPr>
+          <p:cNvPicPr>
+            <a:picLocks noChangeAspect="1"/>
+          </p:cNvPicPr>
+          <p:nvPr/>
+        </p:nvPicPr>
+        <p:blipFill>
+          <a:blip r:embed="rId3"/>
+          <a:stretch>
+            <a:fillRect/>
+          </a:stretch>
+        </p:blipFill>
+        <p:spPr>
+          <a:xfrm>
+            <a:off x="8452104" y="3546941"/>
+            <a:ext cx="1981200" cy="1971675"/>
+          </a:xfrm>
+          <a:prstGeom prst="rect">
+            <a:avLst/>
+          </a:prstGeom>
+        </p:spPr>
+      </p:pic>
+      <p:cxnSp>
+        <p:nvCxnSpPr>
+          <p:cNvPr id="18" name="Conexão reta unidirecional 17">
+            <a:extLst>
+              <a:ext uri="{FF2B5EF4-FFF2-40B4-BE49-F238E27FC236}">
+                <a16:creationId xmlns:a16="http://schemas.microsoft.com/office/drawing/2014/main" id="{25ADF3CD-F58D-3E1A-F18E-E11006545AA1}"/>
+              </a:ext>
+            </a:extLst>
+          </p:cNvPr>
+          <p:cNvCxnSpPr>
+            <a:cxnSpLocks/>
+            <a:stCxn id="14" idx="3"/>
+            <a:endCxn id="16" idx="1"/>
+          </p:cNvCxnSpPr>
+          <p:nvPr/>
+        </p:nvCxnSpPr>
+        <p:spPr>
+          <a:xfrm>
+            <a:off x="6450583" y="3657051"/>
+            <a:ext cx="2001521" cy="875728"/>
+          </a:xfrm>
+          <a:prstGeom prst="straightConnector1">
+            <a:avLst/>
+          </a:prstGeom>
+          <a:ln>
+            <a:tailEnd type="triangle"/>
+          </a:ln>
+        </p:spPr>
+        <p:style>
+          <a:lnRef idx="2">
+            <a:schemeClr val="accent1"/>
+          </a:lnRef>
+          <a:fillRef idx="0">
+            <a:schemeClr val="accent1"/>
+          </a:fillRef>
+          <a:effectRef idx="1">
+            <a:schemeClr val="accent1"/>
+          </a:effectRef>
+          <a:fontRef idx="minor">
+            <a:schemeClr val="tx1"/>
+          </a:fontRef>
+        </p:style>
+      </p:cxnSp>
     </p:spTree>
     <p:extLst>
       <p:ext uri="{BB962C8B-B14F-4D97-AF65-F5344CB8AC3E}">
-        <p14:creationId xmlns:p14="http://schemas.microsoft.com/office/powerpoint/2010/main" val="3297966504"/>
+        <p14:creationId xmlns:p14="http://schemas.microsoft.com/office/powerpoint/2010/main" val="1202806881"/>
       </p:ext>
     </p:extLst>
   </p:cSld>
@@ -8658,7 +9413,7 @@
           <p:cNvPr id="2" name="Título 1">
             <a:extLst>
               <a:ext uri="{FF2B5EF4-FFF2-40B4-BE49-F238E27FC236}">
-                <a16:creationId xmlns:a16="http://schemas.microsoft.com/office/drawing/2014/main" id="{A94DB405-794F-1A17-F5D7-92707AD203C5}"/>
+                <a16:creationId xmlns:a16="http://schemas.microsoft.com/office/drawing/2014/main" id="{D50E1FAC-65D4-483D-B8EF-428D89DCCC57}"/>
               </a:ext>
             </a:extLst>
           </p:cNvPr>
@@ -8671,8 +9426,8 @@
         </p:nvSpPr>
         <p:spPr>
           <a:xfrm>
-            <a:off x="622300" y="381198"/>
-            <a:ext cx="6184899" cy="675926"/>
+            <a:off x="609600" y="365395"/>
+            <a:ext cx="6502400" cy="799306"/>
           </a:xfrm>
         </p:spPr>
         <p:txBody>
@@ -8681,25 +9436,20 @@
           </a:bodyPr>
           <a:lstStyle/>
           <a:p>
-            <a:pPr>
-              <a:lnSpc>
-                <a:spcPct val="90000"/>
-              </a:lnSpc>
-            </a:pPr>
-            <a:r>
-              <a:rPr lang="en-US" dirty="0"/>
-              <a:t>Future Work</a:t>
-            </a:r>
-            <a:endParaRPr lang="en-US"/>
-          </a:p>
-        </p:txBody>
-      </p:sp>
-      <p:sp>
-        <p:nvSpPr>
-          <p:cNvPr id="4" name="Marcador de Posição do Número do Diapositivo 3">
-            <a:extLst>
-              <a:ext uri="{FF2B5EF4-FFF2-40B4-BE49-F238E27FC236}">
-                <a16:creationId xmlns:a16="http://schemas.microsoft.com/office/drawing/2014/main" id="{A1799110-3C32-5022-B509-2AB404BB802B}"/>
+            <a:r>
+              <a:rPr lang="pt-PT" dirty="0" err="1"/>
+              <a:t>Timeline</a:t>
+            </a:r>
+            <a:endParaRPr lang="pt-PT" dirty="0"/>
+          </a:p>
+        </p:txBody>
+      </p:sp>
+      <p:sp>
+        <p:nvSpPr>
+          <p:cNvPr id="3" name="Marcador de Posição do Número do Diapositivo 2">
+            <a:extLst>
+              <a:ext uri="{FF2B5EF4-FFF2-40B4-BE49-F238E27FC236}">
+                <a16:creationId xmlns:a16="http://schemas.microsoft.com/office/drawing/2014/main" id="{DEC4F8A9-14BD-4EC5-A515-BDCB838B6EAF}"/>
               </a:ext>
             </a:extLst>
           </p:cNvPr>
@@ -8712,7 +9462,7 @@
         </p:nvSpPr>
         <p:spPr>
           <a:xfrm>
-            <a:off x="10906760" y="173195"/>
+            <a:off x="10911840" y="173195"/>
             <a:ext cx="670560" cy="301752"/>
           </a:xfrm>
         </p:spPr>
@@ -8727,7 +9477,7 @@
                 <a:spcPts val="600"/>
               </a:spcAft>
             </a:pPr>
-            <a:fld id="{FEA1243F-3000-4347-94A4-FBDEAD3122CB}" type="slidenum">
+            <a:fld id="{49598980-D22C-4904-9F8F-3DB09B2ECD84}" type="slidenum">
               <a:rPr lang="en-US" smtClean="0"/>
               <a:pPr>
                 <a:spcAft>
@@ -8740,10 +9490,73 @@
           </a:p>
         </p:txBody>
       </p:sp>
+      <p:graphicFrame>
+        <p:nvGraphicFramePr>
+          <p:cNvPr id="9" name="Objeto 8">
+            <a:extLst>
+              <a:ext uri="{FF2B5EF4-FFF2-40B4-BE49-F238E27FC236}">
+                <a16:creationId xmlns:a16="http://schemas.microsoft.com/office/drawing/2014/main" id="{571B984E-7B16-71DD-917C-958B5B0CAA16}"/>
+              </a:ext>
+            </a:extLst>
+          </p:cNvPr>
+          <p:cNvGraphicFramePr>
+            <a:graphicFrameLocks noChangeAspect="1"/>
+          </p:cNvGraphicFramePr>
+          <p:nvPr>
+            <p:extLst>
+              <p:ext uri="{D42A27DB-BD31-4B8C-83A1-F6EECF244321}">
+                <p14:modId xmlns:p14="http://schemas.microsoft.com/office/powerpoint/2010/main" val="683168059"/>
+              </p:ext>
+            </p:extLst>
+          </p:nvPr>
+        </p:nvGraphicFramePr>
+        <p:xfrm>
+          <a:off x="878895" y="1602804"/>
+          <a:ext cx="9668519" cy="3453828"/>
+        </p:xfrm>
+        <a:graphic>
+          <a:graphicData uri="http://schemas.openxmlformats.org/presentationml/2006/ole">
+            <mc:AlternateContent xmlns:mc="http://schemas.openxmlformats.org/markup-compatibility/2006">
+              <mc:Choice xmlns:v="urn:schemas-microsoft-com:vml" Requires="v">
+                <p:oleObj name="Worksheet" r:id="rId2" imgW="8372607" imgH="2990907" progId="Excel.Sheet.12">
+                  <p:embed/>
+                </p:oleObj>
+              </mc:Choice>
+              <mc:Fallback>
+                <p:oleObj name="Worksheet" r:id="rId2" imgW="8372607" imgH="2990907" progId="Excel.Sheet.12">
+                  <p:embed/>
+                  <p:pic>
+                    <p:nvPicPr>
+                      <p:cNvPr id="0" name=""/>
+                      <p:cNvPicPr/>
+                      <p:nvPr/>
+                    </p:nvPicPr>
+                    <p:blipFill>
+                      <a:blip r:embed="rId3"/>
+                      <a:stretch>
+                        <a:fillRect/>
+                      </a:stretch>
+                    </p:blipFill>
+                    <p:spPr>
+                      <a:xfrm>
+                        <a:off x="878895" y="1602804"/>
+                        <a:ext cx="9668519" cy="3453828"/>
+                      </a:xfrm>
+                      <a:prstGeom prst="rect">
+                        <a:avLst/>
+                      </a:prstGeom>
+                    </p:spPr>
+                  </p:pic>
+                </p:oleObj>
+              </mc:Fallback>
+            </mc:AlternateContent>
+          </a:graphicData>
+        </a:graphic>
+      </p:graphicFrame>
     </p:spTree>
     <p:extLst>
       <p:ext uri="{BB962C8B-B14F-4D97-AF65-F5344CB8AC3E}">
-        <p14:creationId xmlns:p14="http://schemas.microsoft.com/office/powerpoint/2010/main" val="759055731"/>
+        <p14:creationId xmlns:p14="http://schemas.microsoft.com/office/powerpoint/2010/main" val="3297966504"/>
       </p:ext>
     </p:extLst>
   </p:cSld>
@@ -8772,199 +9585,246 @@
       </p:grpSpPr>
       <p:sp>
         <p:nvSpPr>
-          <p:cNvPr id="6" name="Slide Number Placeholder 5">
-            <a:extLst>
-              <a:ext uri="{FF2B5EF4-FFF2-40B4-BE49-F238E27FC236}">
-                <a16:creationId xmlns:a16="http://schemas.microsoft.com/office/drawing/2014/main" id="{F2040447-BBDA-4C18-B81B-B5DA1D4FA85B}"/>
-              </a:ext>
-            </a:extLst>
-          </p:cNvPr>
-          <p:cNvSpPr>
-            <a:spLocks noGrp="1"/>
-          </p:cNvSpPr>
-          <p:nvPr>
-            <p:ph type="sldNum" sz="quarter" idx="11"/>
-          </p:nvPr>
-        </p:nvSpPr>
-        <p:spPr/>
-        <p:txBody>
-          <a:bodyPr/>
+          <p:cNvPr id="2" name="Título 1">
+            <a:extLst>
+              <a:ext uri="{FF2B5EF4-FFF2-40B4-BE49-F238E27FC236}">
+                <a16:creationId xmlns:a16="http://schemas.microsoft.com/office/drawing/2014/main" id="{A94DB405-794F-1A17-F5D7-92707AD203C5}"/>
+              </a:ext>
+            </a:extLst>
+          </p:cNvPr>
+          <p:cNvSpPr>
+            <a:spLocks noGrp="1"/>
+          </p:cNvSpPr>
+          <p:nvPr>
+            <p:ph type="title"/>
+          </p:nvPr>
+        </p:nvSpPr>
+        <p:spPr>
+          <a:xfrm>
+            <a:off x="622300" y="381198"/>
+            <a:ext cx="6184899" cy="675926"/>
+          </a:xfrm>
+        </p:spPr>
+        <p:txBody>
+          <a:bodyPr anchor="ctr">
+            <a:normAutofit/>
+          </a:bodyPr>
           <a:lstStyle/>
           <a:p>
+            <a:pPr>
+              <a:lnSpc>
+                <a:spcPct val="90000"/>
+              </a:lnSpc>
+            </a:pPr>
+            <a:r>
+              <a:rPr lang="en-US" dirty="0"/>
+              <a:t>Future Work</a:t>
+            </a:r>
+            <a:endParaRPr lang="en-US"/>
+          </a:p>
+        </p:txBody>
+      </p:sp>
+      <p:sp>
+        <p:nvSpPr>
+          <p:cNvPr id="4" name="Marcador de Posição do Número do Diapositivo 3">
+            <a:extLst>
+              <a:ext uri="{FF2B5EF4-FFF2-40B4-BE49-F238E27FC236}">
+                <a16:creationId xmlns:a16="http://schemas.microsoft.com/office/drawing/2014/main" id="{A1799110-3C32-5022-B509-2AB404BB802B}"/>
+              </a:ext>
+            </a:extLst>
+          </p:cNvPr>
+          <p:cNvSpPr>
+            <a:spLocks noGrp="1"/>
+          </p:cNvSpPr>
+          <p:nvPr>
+            <p:ph type="sldNum" sz="quarter" idx="12"/>
+          </p:nvPr>
+        </p:nvSpPr>
+        <p:spPr>
+          <a:xfrm>
+            <a:off x="10906760" y="173195"/>
+            <a:ext cx="670560" cy="301752"/>
+          </a:xfrm>
+        </p:spPr>
+        <p:txBody>
+          <a:bodyPr anchor="b">
+            <a:normAutofit/>
+          </a:bodyPr>
+          <a:lstStyle/>
+          <a:p>
+            <a:pPr>
+              <a:spcAft>
+                <a:spcPts val="600"/>
+              </a:spcAft>
+            </a:pPr>
             <a:fld id="{FEA1243F-3000-4347-94A4-FBDEAD3122CB}" type="slidenum">
-              <a:rPr lang="en-US">
-                <a:solidFill>
-                  <a:srgbClr val="262626"/>
-                </a:solidFill>
-                <a:latin typeface="Arial"/>
-              </a:rPr>
-              <a:pPr/>
+              <a:rPr lang="en-US" smtClean="0"/>
+              <a:pPr>
+                <a:spcAft>
+                  <a:spcPts val="600"/>
+                </a:spcAft>
+              </a:pPr>
               <a:t>9</a:t>
             </a:fld>
-            <a:endParaRPr lang="en-US" dirty="0">
-              <a:solidFill>
-                <a:srgbClr val="262626"/>
-              </a:solidFill>
-              <a:latin typeface="Arial"/>
-            </a:endParaRPr>
-          </a:p>
-        </p:txBody>
-      </p:sp>
-      <p:pic>
-        <p:nvPicPr>
-          <p:cNvPr id="7" name="Picture 8" descr="logo-isel | InOut">
-            <a:extLst>
-              <a:ext uri="{FF2B5EF4-FFF2-40B4-BE49-F238E27FC236}">
-                <a16:creationId xmlns:a16="http://schemas.microsoft.com/office/drawing/2014/main" id="{F174BEE5-12F8-44C2-9A19-6998ED6B3AC8}"/>
-              </a:ext>
-            </a:extLst>
-          </p:cNvPr>
-          <p:cNvPicPr>
-            <a:picLocks noChangeAspect="1" noChangeArrowheads="1"/>
-          </p:cNvPicPr>
+            <a:endParaRPr lang="en-US"/>
+          </a:p>
+        </p:txBody>
+      </p:sp>
+      <p:sp>
+        <p:nvSpPr>
+          <p:cNvPr id="3" name="CaixaDeTexto 2">
+            <a:extLst>
+              <a:ext uri="{FF2B5EF4-FFF2-40B4-BE49-F238E27FC236}">
+                <a16:creationId xmlns:a16="http://schemas.microsoft.com/office/drawing/2014/main" id="{4C4A25B1-54FB-4B4B-CF4C-00FD05817601}"/>
+              </a:ext>
+            </a:extLst>
+          </p:cNvPr>
+          <p:cNvSpPr txBox="1"/>
           <p:nvPr/>
-        </p:nvPicPr>
-        <p:blipFill>
-          <a:blip r:embed="rId3">
-            <a:extLst>
-              <a:ext uri="{28A0092B-C50C-407E-A947-70E740481C1C}">
-                <a14:useLocalDpi xmlns:a14="http://schemas.microsoft.com/office/drawing/2010/main" val="0"/>
-              </a:ext>
-            </a:extLst>
-          </a:blip>
-          <a:srcRect/>
-          <a:stretch>
-            <a:fillRect/>
-          </a:stretch>
-        </p:blipFill>
-        <p:spPr bwMode="auto">
+        </p:nvSpPr>
+        <p:spPr>
           <a:xfrm>
-            <a:off x="9554011" y="0"/>
-            <a:ext cx="1194854" cy="719232"/>
+            <a:off x="622300" y="1615507"/>
+            <a:ext cx="9710056" cy="3293209"/>
           </a:xfrm>
           <a:prstGeom prst="rect">
             <a:avLst/>
           </a:prstGeom>
           <a:noFill/>
-          <a:extLst>
-            <a:ext uri="{909E8E84-426E-40DD-AFC4-6F175D3DCCD1}">
-              <a14:hiddenFill xmlns:a14="http://schemas.microsoft.com/office/drawing/2010/main">
+        </p:spPr>
+        <p:txBody>
+          <a:bodyPr wrap="square" rtlCol="0">
+            <a:spAutoFit/>
+          </a:bodyPr>
+          <a:lstStyle/>
+          <a:p>
+            <a:pPr marL="342900" indent="-342900" algn="just">
+              <a:spcAft>
+                <a:spcPts val="1200"/>
+              </a:spcAft>
+              <a:buFont typeface="Wingdings" panose="05000000000000000000" pitchFamily="2" charset="2"/>
+              <a:buChar char="v"/>
+            </a:pPr>
+            <a:r>
+              <a:rPr lang="en-US" sz="2000" dirty="0">
                 <a:solidFill>
-                  <a:srgbClr val="FFFFFF"/>
+                  <a:schemeClr val="bg1"/>
                 </a:solidFill>
-              </a14:hiddenFill>
-            </a:ext>
-          </a:extLst>
-        </p:spPr>
-      </p:pic>
-      <p:sp>
-        <p:nvSpPr>
-          <p:cNvPr id="12" name="Retângulo 11">
-            <a:extLst>
-              <a:ext uri="{FF2B5EF4-FFF2-40B4-BE49-F238E27FC236}">
-                <a16:creationId xmlns:a16="http://schemas.microsoft.com/office/drawing/2014/main" id="{3DB3AB42-FC6C-4F21-A609-FB8192C6CF8C}"/>
-              </a:ext>
-            </a:extLst>
-          </p:cNvPr>
-          <p:cNvSpPr/>
-          <p:nvPr/>
-        </p:nvSpPr>
-        <p:spPr>
-          <a:xfrm>
-            <a:off x="0" y="6457720"/>
-            <a:ext cx="12192000" cy="45719"/>
-          </a:xfrm>
-          <a:prstGeom prst="rect">
-            <a:avLst/>
-          </a:prstGeom>
-          <a:ln>
-            <a:noFill/>
-          </a:ln>
-        </p:spPr>
-        <p:style>
-          <a:lnRef idx="2">
-            <a:schemeClr val="accent1">
-              <a:shade val="50000"/>
-            </a:schemeClr>
-          </a:lnRef>
-          <a:fillRef idx="1">
-            <a:schemeClr val="accent1"/>
-          </a:fillRef>
-          <a:effectRef idx="0">
-            <a:schemeClr val="accent1"/>
-          </a:effectRef>
-          <a:fontRef idx="minor">
-            <a:schemeClr val="lt1"/>
-          </a:fontRef>
-        </p:style>
-        <p:txBody>
-          <a:bodyPr rtlCol="0" anchor="ctr"/>
-          <a:lstStyle/>
-          <a:p>
-            <a:pPr algn="ctr"/>
-            <a:endParaRPr lang="pt-PT" dirty="0"/>
-          </a:p>
-        </p:txBody>
-      </p:sp>
-      <p:sp>
-        <p:nvSpPr>
-          <p:cNvPr id="11" name="Rectangle 1">
-            <a:extLst>
-              <a:ext uri="{FF2B5EF4-FFF2-40B4-BE49-F238E27FC236}">
-                <a16:creationId xmlns:a16="http://schemas.microsoft.com/office/drawing/2014/main" id="{2FD89244-6BE1-4503-9923-5D761E925386}"/>
-              </a:ext>
-            </a:extLst>
-          </p:cNvPr>
-          <p:cNvSpPr txBox="1">
-            <a:spLocks/>
-          </p:cNvSpPr>
-          <p:nvPr/>
-        </p:nvSpPr>
-        <p:spPr>
-          <a:xfrm>
-            <a:off x="3003203" y="2981662"/>
-            <a:ext cx="6789727" cy="1213627"/>
-          </a:xfrm>
-          <a:prstGeom prst="rect">
-            <a:avLst/>
-          </a:prstGeom>
-        </p:spPr>
-        <p:txBody>
-          <a:bodyPr vert="horz" lIns="0" rIns="0" anchor="ctr">
-            <a:noAutofit/>
-          </a:bodyPr>
-          <a:lstStyle>
-            <a:lvl1pPr marL="182880" algn="l" rtl="0" eaLnBrk="1" latinLnBrk="0" hangingPunct="1">
-              <a:spcBef>
-                <a:spcPct val="0"/>
-              </a:spcBef>
-              <a:buNone/>
-              <a:defRPr sz="4000" b="1" kern="1200">
-                <a:ln w="6350">
-                  <a:noFill/>
-                </a:ln>
+                <a:latin typeface="Corbel" panose="020B0503020204020204" pitchFamily="34" charset="0"/>
+              </a:rPr>
+              <a:t>Include More Detailed Analysis of Bioinformatics Algorithms</a:t>
+            </a:r>
+          </a:p>
+          <a:p>
+            <a:pPr marL="800100" lvl="1" indent="-342900" algn="just">
+              <a:spcAft>
+                <a:spcPts val="1200"/>
+              </a:spcAft>
+              <a:buFont typeface="Wingdings" panose="05000000000000000000" pitchFamily="2" charset="2"/>
+              <a:buChar char="v"/>
+            </a:pPr>
+            <a:r>
+              <a:rPr lang="en-US" dirty="0">
                 <a:solidFill>
-                  <a:schemeClr val="accent1"/>
+                  <a:schemeClr val="bg1"/>
                 </a:solidFill>
-                <a:effectLst/>
-                <a:latin typeface="+mj-lt"/>
-                <a:ea typeface="+mj-ea"/>
-                <a:cs typeface="+mj-cs"/>
-              </a:defRPr>
-            </a:lvl1pPr>
-          </a:lstStyle>
-          <a:p>
-            <a:r>
-              <a:rPr lang="en-US" sz="9600" dirty="0"/>
-              <a:t>Questions?</a:t>
-            </a:r>
+              </a:rPr>
+              <a:t>Sequence alignment (Smith-Waterman, Needleman-Wunsch), </a:t>
+            </a:r>
+          </a:p>
+          <a:p>
+            <a:pPr marL="800100" lvl="1" indent="-342900" algn="just">
+              <a:spcAft>
+                <a:spcPts val="1200"/>
+              </a:spcAft>
+              <a:buFont typeface="Wingdings" panose="05000000000000000000" pitchFamily="2" charset="2"/>
+              <a:buChar char="v"/>
+            </a:pPr>
+            <a:r>
+              <a:rPr lang="en-US" dirty="0">
+                <a:solidFill>
+                  <a:schemeClr val="bg1"/>
+                </a:solidFill>
+              </a:rPr>
+              <a:t>Sequence assembly (Bruijn graphs, overlap-layout-consensus), </a:t>
+            </a:r>
+          </a:p>
+          <a:p>
+            <a:pPr marL="800100" lvl="1" indent="-342900" algn="just">
+              <a:spcAft>
+                <a:spcPts val="1200"/>
+              </a:spcAft>
+              <a:buFont typeface="Wingdings" panose="05000000000000000000" pitchFamily="2" charset="2"/>
+              <a:buChar char="v"/>
+            </a:pPr>
+            <a:r>
+              <a:rPr lang="en-US" dirty="0">
+                <a:solidFill>
+                  <a:schemeClr val="bg1"/>
+                </a:solidFill>
+              </a:rPr>
+              <a:t>Phylogenetic analysis (maximum likelihood). </a:t>
+            </a:r>
+          </a:p>
+          <a:p>
+            <a:pPr lvl="1" algn="just">
+              <a:spcAft>
+                <a:spcPts val="1200"/>
+              </a:spcAft>
+            </a:pPr>
+            <a:endParaRPr lang="en-US" dirty="0">
+              <a:solidFill>
+                <a:schemeClr val="bg1"/>
+              </a:solidFill>
+            </a:endParaRPr>
+          </a:p>
+          <a:p>
+            <a:pPr marL="342900" indent="-342900" algn="just">
+              <a:spcAft>
+                <a:spcPts val="1200"/>
+              </a:spcAft>
+              <a:buFont typeface="Wingdings" panose="05000000000000000000" pitchFamily="2" charset="2"/>
+              <a:buChar char="v"/>
+            </a:pPr>
+            <a:r>
+              <a:rPr lang="en-US" sz="2000" dirty="0">
+                <a:solidFill>
+                  <a:schemeClr val="bg1"/>
+                </a:solidFill>
+                <a:latin typeface="Corbel" panose="020B0503020204020204" pitchFamily="34" charset="0"/>
+              </a:rPr>
+              <a:t>Comparative Genomics of Bacteria</a:t>
+            </a:r>
+          </a:p>
+          <a:p>
+            <a:pPr marL="800100" lvl="1" indent="-342900" algn="just">
+              <a:spcAft>
+                <a:spcPts val="1200"/>
+              </a:spcAft>
+              <a:buFont typeface="Wingdings" panose="05000000000000000000" pitchFamily="2" charset="2"/>
+              <a:buChar char="v"/>
+            </a:pPr>
+            <a:r>
+              <a:rPr lang="en-US" dirty="0">
+                <a:solidFill>
+                  <a:schemeClr val="bg1"/>
+                </a:solidFill>
+              </a:rPr>
+              <a:t>Conduct a comparative genomics study to compare genetic variations among different bacterial strains.</a:t>
+            </a:r>
+            <a:endParaRPr lang="en-US" b="1" dirty="0">
+              <a:solidFill>
+                <a:schemeClr val="bg1"/>
+              </a:solidFill>
+              <a:latin typeface="Corbel" panose="020B0503020204020204" pitchFamily="34" charset="0"/>
+            </a:endParaRPr>
           </a:p>
         </p:txBody>
       </p:sp>
     </p:spTree>
     <p:extLst>
       <p:ext uri="{BB962C8B-B14F-4D97-AF65-F5344CB8AC3E}">
-        <p14:creationId xmlns:p14="http://schemas.microsoft.com/office/powerpoint/2010/main" val="3736807878"/>
+        <p14:creationId xmlns:p14="http://schemas.microsoft.com/office/powerpoint/2010/main" val="759055731"/>
       </p:ext>
     </p:extLst>
   </p:cSld>
